--- a/Report/TTCN.pptx
+++ b/Report/TTCN.pptx
@@ -7,7 +7,7 @@
     <p:sldMasterId id="2147483653" r:id="rId3"/>
   </p:sldMasterIdLst>
   <p:notesMasterIdLst>
-    <p:notesMasterId r:id="rId27"/>
+    <p:notesMasterId r:id="rId24"/>
   </p:notesMasterIdLst>
   <p:sldIdLst>
     <p:sldId id="301" r:id="rId4"/>
@@ -20,19 +20,16 @@
     <p:sldId id="307" r:id="rId11"/>
     <p:sldId id="308" r:id="rId12"/>
     <p:sldId id="309" r:id="rId13"/>
-    <p:sldId id="321" r:id="rId14"/>
-    <p:sldId id="322" r:id="rId15"/>
-    <p:sldId id="323" r:id="rId16"/>
-    <p:sldId id="310" r:id="rId17"/>
-    <p:sldId id="311" r:id="rId18"/>
-    <p:sldId id="312" r:id="rId19"/>
-    <p:sldId id="313" r:id="rId20"/>
-    <p:sldId id="314" r:id="rId21"/>
-    <p:sldId id="315" r:id="rId22"/>
-    <p:sldId id="316" r:id="rId23"/>
-    <p:sldId id="318" r:id="rId24"/>
-    <p:sldId id="320" r:id="rId25"/>
-    <p:sldId id="319" r:id="rId26"/>
+    <p:sldId id="322" r:id="rId14"/>
+    <p:sldId id="323" r:id="rId15"/>
+    <p:sldId id="310" r:id="rId16"/>
+    <p:sldId id="311" r:id="rId17"/>
+    <p:sldId id="312" r:id="rId18"/>
+    <p:sldId id="313" r:id="rId19"/>
+    <p:sldId id="314" r:id="rId20"/>
+    <p:sldId id="315" r:id="rId21"/>
+    <p:sldId id="320" r:id="rId22"/>
+    <p:sldId id="319" r:id="rId23"/>
   </p:sldIdLst>
   <p:sldSz cx="9144000" cy="5143500" type="screen16x9"/>
   <p:notesSz cx="6858000" cy="9144000"/>
@@ -237,7 +234,7 @@
           <a:p>
             <a:fld id="{B1744AD1-7E96-455A-8C7F-605A7DD0F917}" type="datetimeFigureOut">
               <a:rPr lang="en-US" smtClean="0"/>
-              <a:t>9/30/2019</a:t>
+              <a:t>5/21/2020</a:t>
             </a:fld>
             <a:endParaRPr lang="en-US"/>
           </a:p>
@@ -737,7 +734,7 @@
           <a:p>
             <a:fld id="{89EDC514-9E28-441F-BF04-3DE8912E9F4E}" type="slidenum">
               <a:rPr lang="en-US" smtClean="0"/>
-              <a:t>23</a:t>
+              <a:t>20</a:t>
             </a:fld>
             <a:endParaRPr lang="en-US"/>
           </a:p>
@@ -8423,8 +8420,8 @@
         </p:nvSpPr>
         <p:spPr>
           <a:xfrm>
-            <a:off x="161547" y="2563989"/>
-            <a:ext cx="4032448" cy="1152129"/>
+            <a:off x="-108520" y="2643758"/>
+            <a:ext cx="5202541" cy="1152129"/>
           </a:xfrm>
         </p:spPr>
         <p:txBody>
@@ -8433,15 +8430,17 @@
           <a:p>
             <a:pPr lvl="0" algn="ctr"/>
             <a:r>
-              <a:rPr lang="en-US" altLang="ko-KR">
-                <a:latin typeface="Gist Upright Regular" panose="02060804020200000003" pitchFamily="18" charset="0"/>
+              <a:rPr lang="en-US" altLang="ko-KR" dirty="0" smtClean="0">
+                <a:latin typeface="SVN-Aguda Black" pitchFamily="50" charset="0"/>
                 <a:ea typeface="Gist Upright Regular" panose="02060804020200000003" pitchFamily="18" charset="0"/>
+                <a:cs typeface="SVN-Aguda Black" pitchFamily="50" charset="0"/>
               </a:rPr>
-              <a:t>--- BÁO CÁO ---</a:t>
+              <a:t>ĐỒ ÁN TỐT NGHIỆP</a:t>
             </a:r>
             <a:endParaRPr lang="en-US" altLang="ko-KR" b="1" dirty="0">
-              <a:latin typeface="Gist Upright Regular" panose="02060804020200000003" pitchFamily="18" charset="0"/>
+              <a:latin typeface="SVN-Aguda Black" pitchFamily="50" charset="0"/>
               <a:ea typeface="Gist Upright Regular" panose="02060804020200000003" pitchFamily="18" charset="0"/>
+              <a:cs typeface="SVN-Aguda Black" pitchFamily="50" charset="0"/>
             </a:endParaRPr>
           </a:p>
         </p:txBody>
@@ -8473,7 +8472,7 @@
               <a:defRPr/>
             </a:pPr>
             <a:r>
-              <a:rPr lang="en-US" altLang="ko-KR" sz="1600">
+              <a:rPr lang="en-US" altLang="ko-KR" sz="1600" dirty="0">
                 <a:latin typeface="SVN-Aguda Black" pitchFamily="50" charset="0"/>
                 <a:ea typeface="Gist Upright Regular" panose="02060804020200000003" pitchFamily="18" charset="0"/>
                 <a:cs typeface="SVN-Aguda Black" pitchFamily="50" charset="0"/>
@@ -8481,7 +8480,7 @@
               <a:t>ĐỀ TÀI</a:t>
             </a:r>
             <a:r>
-              <a:rPr lang="en-US" altLang="ko-KR" sz="1600" smtClean="0">
+              <a:rPr lang="en-US" altLang="ko-KR" sz="1600" dirty="0" smtClean="0">
                 <a:latin typeface="SVN-Aguda Black" pitchFamily="50" charset="0"/>
                 <a:ea typeface="Gist Upright Regular" panose="02060804020200000003" pitchFamily="18" charset="0"/>
                 <a:cs typeface="SVN-Aguda Black" pitchFamily="50" charset="0"/>
@@ -8489,13 +8488,55 @@
               <a:t>: XÂY </a:t>
             </a:r>
             <a:r>
-              <a:rPr lang="en-US" altLang="ko-KR" sz="1600">
+              <a:rPr lang="en-US" altLang="ko-KR" sz="1600" dirty="0">
                 <a:latin typeface="SVN-Aguda Black" pitchFamily="50" charset="0"/>
                 <a:ea typeface="Gist Upright Regular" panose="02060804020200000003" pitchFamily="18" charset="0"/>
                 <a:cs typeface="SVN-Aguda Black" pitchFamily="50" charset="0"/>
               </a:rPr>
-              <a:t>DỰNG HỆ THỐNG WEBSITE HỌC TRỰC TUYẾN SỬ DỤNG FRAMEWORK CODEIGNITER</a:t>
+              <a:t>DỰNG HỆ THỐNG WEBSITE </a:t>
             </a:r>
+            <a:endParaRPr lang="en-US" altLang="ko-KR" sz="1600" dirty="0" smtClean="0">
+              <a:latin typeface="SVN-Aguda Black" pitchFamily="50" charset="0"/>
+              <a:ea typeface="Gist Upright Regular" panose="02060804020200000003" pitchFamily="18" charset="0"/>
+              <a:cs typeface="SVN-Aguda Black" pitchFamily="50" charset="0"/>
+            </a:endParaRPr>
+          </a:p>
+          <a:p>
+            <a:pPr algn="ctr">
+              <a:spcBef>
+                <a:spcPts val="0"/>
+              </a:spcBef>
+              <a:defRPr/>
+            </a:pPr>
+            <a:r>
+              <a:rPr lang="en-US" altLang="ko-KR" sz="1600" dirty="0" smtClean="0">
+                <a:latin typeface="SVN-Aguda Black" pitchFamily="50" charset="0"/>
+                <a:ea typeface="Gist Upright Regular" panose="02060804020200000003" pitchFamily="18" charset="0"/>
+                <a:cs typeface="SVN-Aguda Black" pitchFamily="50" charset="0"/>
+              </a:rPr>
+              <a:t>HỌC </a:t>
+            </a:r>
+            <a:r>
+              <a:rPr lang="en-US" altLang="ko-KR" sz="1600" dirty="0">
+                <a:latin typeface="SVN-Aguda Black" pitchFamily="50" charset="0"/>
+                <a:ea typeface="Gist Upright Regular" panose="02060804020200000003" pitchFamily="18" charset="0"/>
+                <a:cs typeface="SVN-Aguda Black" pitchFamily="50" charset="0"/>
+              </a:rPr>
+              <a:t>TRỰC </a:t>
+            </a:r>
+            <a:r>
+              <a:rPr lang="en-US" altLang="ko-KR" sz="1600" dirty="0" smtClean="0">
+                <a:latin typeface="SVN-Aguda Black" pitchFamily="50" charset="0"/>
+                <a:ea typeface="Gist Upright Regular" panose="02060804020200000003" pitchFamily="18" charset="0"/>
+                <a:cs typeface="SVN-Aguda Black" pitchFamily="50" charset="0"/>
+              </a:rPr>
+              <a:t>TUYẾN</a:t>
+            </a:r>
+            <a:endParaRPr lang="en-US" altLang="ko-KR" sz="1600" dirty="0">
+              <a:latin typeface="SVN-Aguda Black" pitchFamily="50" charset="0"/>
+              <a:ea typeface="Gist Upright Regular" panose="02060804020200000003" pitchFamily="18" charset="0"/>
+              <a:cs typeface="SVN-Aguda Black" pitchFamily="50" charset="0"/>
+            </a:endParaRPr>
           </a:p>
         </p:txBody>
       </p:sp>
@@ -8848,14 +8889,22 @@
               <a:defRPr/>
             </a:pPr>
             <a:r>
-              <a:rPr lang="en-US" altLang="ko-KR" sz="1600" smtClean="0">
+              <a:rPr lang="en-US" altLang="ko-KR" sz="1600" dirty="0" smtClean="0">
                 <a:latin typeface="SVN-Aguda Black" pitchFamily="50" charset="0"/>
                 <a:ea typeface="Gist Upright Regular" panose="02060804020200000003" pitchFamily="18" charset="0"/>
                 <a:cs typeface="SVN-Aguda Black" pitchFamily="50" charset="0"/>
               </a:rPr>
-              <a:t>GVHD: THS. HÀ THỊ THANH</a:t>
+              <a:t>GVHD: THS. </a:t>
             </a:r>
-            <a:endParaRPr lang="en-US" altLang="ko-KR" sz="1600">
+            <a:r>
+              <a:rPr lang="en-US" altLang="ko-KR" sz="1600" dirty="0" smtClean="0">
+                <a:latin typeface="SVN-Aguda Black" pitchFamily="50" charset="0"/>
+                <a:ea typeface="Gist Upright Regular" panose="02060804020200000003" pitchFamily="18" charset="0"/>
+                <a:cs typeface="SVN-Aguda Black" pitchFamily="50" charset="0"/>
+              </a:rPr>
+              <a:t>TRẦN HẢI THANH</a:t>
+            </a:r>
+            <a:endParaRPr lang="en-US" altLang="ko-KR" sz="1600" dirty="0">
               <a:latin typeface="SVN-Aguda Black" pitchFamily="50" charset="0"/>
               <a:ea typeface="Gist Upright Regular" panose="02060804020200000003" pitchFamily="18" charset="0"/>
               <a:cs typeface="SVN-Aguda Black" pitchFamily="50" charset="0"/>
@@ -9241,7 +9290,7 @@
           <a:lstStyle/>
           <a:p>
             <a:r>
-              <a:rPr lang="vi-VN" altLang="ko-KR" sz="1200">
+              <a:rPr lang="vi-VN" altLang="ko-KR" sz="1200" dirty="0">
                 <a:solidFill>
                   <a:schemeClr val="bg1"/>
                 </a:solidFill>
@@ -9249,7 +9298,7 @@
               </a:rPr>
               <a:t>Quản trị viên là người quan trọng nhất đối với hệ thống. Quản trị viên có thể thực hiện tất cả các chức năng của hệ thông và bao gồm những chức năng mà các người khác không thể thực hiện</a:t>
             </a:r>
-            <a:endParaRPr lang="en-US" altLang="ko-KR" sz="1200" smtClean="0">
+            <a:endParaRPr lang="en-US" altLang="ko-KR" sz="1200" dirty="0" smtClean="0">
               <a:solidFill>
                 <a:schemeClr val="bg1"/>
               </a:solidFill>
@@ -9357,7 +9406,7 @@
 </file>
 
 <file path=ppt/slides/slide11.xml><?xml version="1.0" encoding="utf-8"?>
-<p:sld xmlns:a="http://schemas.openxmlformats.org/drawingml/2006/main" xmlns:r="http://schemas.openxmlformats.org/officeDocument/2006/relationships" xmlns:p="http://schemas.openxmlformats.org/presentationml/2006/main" show="0">
+<p:sld xmlns:a="http://schemas.openxmlformats.org/drawingml/2006/main" xmlns:r="http://schemas.openxmlformats.org/officeDocument/2006/relationships" xmlns:p="http://schemas.openxmlformats.org/presentationml/2006/main">
   <p:cSld>
     <p:spTree>
       <p:nvGrpSpPr>
@@ -9373,9 +9422,133 @@
           <a:chExt cx="0" cy="0"/>
         </a:xfrm>
       </p:grpSpPr>
+      <p:pic>
+        <p:nvPicPr>
+          <p:cNvPr id="9" name="Picture 8" descr="Trinh tu -them san phan vao gio hang-"/>
+          <p:cNvPicPr/>
+          <p:nvPr/>
+        </p:nvPicPr>
+        <p:blipFill>
+          <a:blip r:embed="rId2"/>
+          <a:stretch>
+            <a:fillRect/>
+          </a:stretch>
+        </p:blipFill>
+        <p:spPr bwMode="auto">
+          <a:xfrm>
+            <a:off x="3203848" y="339502"/>
+            <a:ext cx="5724525" cy="4583430"/>
+          </a:xfrm>
+          <a:prstGeom prst="rect">
+            <a:avLst/>
+          </a:prstGeom>
+        </p:spPr>
+      </p:pic>
       <p:sp>
         <p:nvSpPr>
-          <p:cNvPr id="12" name="Text Placeholder 1"/>
+          <p:cNvPr id="6" name="Rectangle 5"/>
+          <p:cNvSpPr/>
+          <p:nvPr/>
+        </p:nvSpPr>
+        <p:spPr>
+          <a:xfrm>
+            <a:off x="175206" y="871749"/>
+            <a:ext cx="2879872" cy="3228363"/>
+          </a:xfrm>
+          <a:prstGeom prst="rect">
+            <a:avLst/>
+          </a:prstGeom>
+          <a:solidFill>
+            <a:schemeClr val="accent1"/>
+          </a:solidFill>
+          <a:ln>
+            <a:noFill/>
+          </a:ln>
+        </p:spPr>
+        <p:style>
+          <a:lnRef idx="2">
+            <a:schemeClr val="accent1">
+              <a:shade val="50000"/>
+            </a:schemeClr>
+          </a:lnRef>
+          <a:fillRef idx="1">
+            <a:schemeClr val="accent1"/>
+          </a:fillRef>
+          <a:effectRef idx="0">
+            <a:schemeClr val="accent1"/>
+          </a:effectRef>
+          <a:fontRef idx="minor">
+            <a:schemeClr val="lt1"/>
+          </a:fontRef>
+        </p:style>
+        <p:txBody>
+          <a:bodyPr rot="0" spcFirstLastPara="0" vertOverflow="overflow" horzOverflow="overflow" vert="horz" wrap="square" lIns="91440" tIns="45720" rIns="91440" bIns="45720" numCol="1" spcCol="0" rtlCol="0" fromWordArt="0" anchor="ctr" anchorCtr="0" forceAA="0" compatLnSpc="1">
+            <a:prstTxWarp prst="textNoShape">
+              <a:avLst/>
+            </a:prstTxWarp>
+            <a:noAutofit/>
+          </a:bodyPr>
+          <a:lstStyle/>
+          <a:p>
+            <a:pPr algn="ctr"/>
+            <a:endParaRPr lang="ko-KR" altLang="en-US"/>
+          </a:p>
+        </p:txBody>
+      </p:sp>
+      <p:sp>
+        <p:nvSpPr>
+          <p:cNvPr id="8" name="Isosceles Triangle 7"/>
+          <p:cNvSpPr/>
+          <p:nvPr/>
+        </p:nvSpPr>
+        <p:spPr>
+          <a:xfrm rot="5400000">
+            <a:off x="3009951" y="2444027"/>
+            <a:ext cx="332790" cy="286888"/>
+          </a:xfrm>
+          <a:prstGeom prst="triangle">
+            <a:avLst/>
+          </a:prstGeom>
+          <a:solidFill>
+            <a:schemeClr val="accent1"/>
+          </a:solidFill>
+          <a:ln>
+            <a:noFill/>
+          </a:ln>
+        </p:spPr>
+        <p:style>
+          <a:lnRef idx="2">
+            <a:schemeClr val="accent1">
+              <a:shade val="50000"/>
+            </a:schemeClr>
+          </a:lnRef>
+          <a:fillRef idx="1">
+            <a:schemeClr val="accent1"/>
+          </a:fillRef>
+          <a:effectRef idx="0">
+            <a:schemeClr val="accent1"/>
+          </a:effectRef>
+          <a:fontRef idx="minor">
+            <a:schemeClr val="lt1"/>
+          </a:fontRef>
+        </p:style>
+        <p:txBody>
+          <a:bodyPr rot="0" spcFirstLastPara="0" vertOverflow="overflow" horzOverflow="overflow" vert="horz" wrap="square" lIns="91440" tIns="45720" rIns="91440" bIns="45720" numCol="1" spcCol="0" rtlCol="0" fromWordArt="0" anchor="ctr" anchorCtr="0" forceAA="0" compatLnSpc="1">
+            <a:prstTxWarp prst="textNoShape">
+              <a:avLst/>
+            </a:prstTxWarp>
+            <a:noAutofit/>
+          </a:bodyPr>
+          <a:lstStyle/>
+          <a:p>
+            <a:pPr algn="ctr"/>
+            <a:endParaRPr lang="ko-KR" altLang="en-US"/>
+          </a:p>
+        </p:txBody>
+      </p:sp>
+      <p:sp>
+        <p:nvSpPr>
+          <p:cNvPr id="10" name="Text Placeholder 13"/>
           <p:cNvSpPr txBox="1">
             <a:spLocks/>
           </p:cNvSpPr>
@@ -9383,8 +9556,8 @@
         </p:nvSpPr>
         <p:spPr>
           <a:xfrm>
-            <a:off x="251520" y="3795886"/>
-            <a:ext cx="3960440" cy="1080120"/>
+            <a:off x="60036" y="989109"/>
+            <a:ext cx="2952328" cy="926353"/>
           </a:xfrm>
           <a:prstGeom prst="rect">
             <a:avLst/>
@@ -9530,110 +9703,153 @@
             </a:lvl9pPr>
           </a:lstStyle>
           <a:p>
-            <a:pPr marL="0" indent="0">
+            <a:pPr marL="0" indent="0" algn="r">
+              <a:lnSpc>
+                <a:spcPct val="110000"/>
+              </a:lnSpc>
               <a:buNone/>
             </a:pPr>
             <a:r>
-              <a:rPr lang="en-US" altLang="ko-KR" b="1">
+              <a:rPr lang="en-US" sz="2400" b="1" dirty="0" smtClean="0">
                 <a:solidFill>
                   <a:schemeClr val="bg1"/>
                 </a:solidFill>
-                <a:latin typeface="+mj-lt"/>
                 <a:cs typeface="Arial" pitchFamily="34" charset="0"/>
               </a:rPr>
-              <a:t>Biểu đồ </a:t>
+              <a:t>Biểu đồ trình tự</a:t>
             </a:r>
-            <a:r>
-              <a:rPr lang="en-US" altLang="ko-KR" b="1">
-                <a:solidFill>
-                  <a:schemeClr val="accent1"/>
-                </a:solidFill>
-                <a:latin typeface="+mj-lt"/>
-                <a:cs typeface="Arial" pitchFamily="34" charset="0"/>
-              </a:rPr>
-              <a:t>trạng thái </a:t>
-            </a:r>
-            <a:r>
-              <a:rPr lang="en-US" altLang="ko-KR" b="1">
-                <a:solidFill>
-                  <a:schemeClr val="bg1"/>
-                </a:solidFill>
-                <a:latin typeface="+mj-lt"/>
-                <a:cs typeface="Arial" pitchFamily="34" charset="0"/>
-              </a:rPr>
-              <a:t>chức năng </a:t>
-            </a:r>
-            <a:r>
-              <a:rPr lang="en-US" altLang="ko-KR" b="1">
-                <a:solidFill>
-                  <a:schemeClr val="accent1"/>
-                </a:solidFill>
-                <a:latin typeface="+mj-lt"/>
-                <a:cs typeface="Arial" pitchFamily="34" charset="0"/>
-              </a:rPr>
-              <a:t>đăng ký</a:t>
-            </a:r>
-            <a:endParaRPr lang="ko-KR" altLang="en-US" b="1" dirty="0">
+            <a:endParaRPr lang="en-US" sz="2400" b="1" dirty="0" smtClean="0">
               <a:solidFill>
                 <a:schemeClr val="bg1"/>
               </a:solidFill>
-              <a:latin typeface="+mj-lt"/>
+              <a:cs typeface="Arial" pitchFamily="34" charset="0"/>
+            </a:endParaRPr>
+          </a:p>
+          <a:p>
+            <a:pPr marL="0" indent="0" algn="r">
+              <a:lnSpc>
+                <a:spcPct val="110000"/>
+              </a:lnSpc>
+              <a:buNone/>
+            </a:pPr>
+            <a:r>
+              <a:rPr lang="en-US" sz="2400" b="1" dirty="0" smtClean="0">
+                <a:solidFill>
+                  <a:srgbClr val="383838"/>
+                </a:solidFill>
+                <a:cs typeface="Arial" pitchFamily="34" charset="0"/>
+              </a:rPr>
+              <a:t>Mua khóa học mới</a:t>
+            </a:r>
+            <a:endParaRPr lang="en-US" altLang="ko-KR" sz="2400" b="1" dirty="0">
+              <a:solidFill>
+                <a:schemeClr val="bg1"/>
+              </a:solidFill>
               <a:cs typeface="Arial" pitchFamily="34" charset="0"/>
             </a:endParaRPr>
           </a:p>
         </p:txBody>
       </p:sp>
-      <p:pic>
-        <p:nvPicPr>
-          <p:cNvPr id="5" name="Picture 4" descr="BĐ trạng thái - đăng ký"/>
-          <p:cNvPicPr/>
+      <p:sp>
+        <p:nvSpPr>
+          <p:cNvPr id="11" name="TextBox 10"/>
+          <p:cNvSpPr txBox="1"/>
           <p:nvPr/>
-        </p:nvPicPr>
-        <p:blipFill>
-          <a:blip r:embed="rId2">
-            <a:extLst>
-              <a:ext uri="{28A0092B-C50C-407E-A947-70E740481C1C}">
-                <a14:useLocalDpi xmlns:a14="http://schemas.microsoft.com/office/drawing/2010/main" val="0"/>
-              </a:ext>
-            </a:extLst>
-          </a:blip>
-          <a:srcRect/>
-          <a:stretch>
-            <a:fillRect/>
-          </a:stretch>
-        </p:blipFill>
-        <p:spPr bwMode="auto">
+        </p:nvSpPr>
+        <p:spPr>
           <a:xfrm>
-            <a:off x="4314082" y="1059582"/>
-            <a:ext cx="5436493" cy="3024336"/>
+            <a:off x="246100" y="1964889"/>
+            <a:ext cx="2543431" cy="1384995"/>
           </a:xfrm>
           <a:prstGeom prst="rect">
             <a:avLst/>
           </a:prstGeom>
           <a:noFill/>
-          <a:ln>
-            <a:noFill/>
-          </a:ln>
         </p:spPr>
-      </p:pic>
+        <p:txBody>
+          <a:bodyPr wrap="square" rtlCol="0" anchor="ctr">
+            <a:spAutoFit/>
+          </a:bodyPr>
+          <a:lstStyle/>
+          <a:p>
+            <a:r>
+              <a:rPr lang="en-US" altLang="ko-KR" sz="1200" dirty="0" smtClean="0">
+                <a:solidFill>
+                  <a:schemeClr val="bg1"/>
+                </a:solidFill>
+                <a:cs typeface="Arial" pitchFamily="34" charset="0"/>
+              </a:rPr>
+              <a:t>Để học viên có thể tham gia vào một khóa học mới bất kỳ, học viên đó phải mua và thanh toán số tiền tương ứng với khóa học đó trên hệ thống. Quy trình thực hiện chức năng này hiện đang có 18 bước.</a:t>
+            </a:r>
+            <a:endParaRPr lang="en-US" altLang="ko-KR" sz="1200" dirty="0" smtClean="0">
+              <a:solidFill>
+                <a:schemeClr val="bg1"/>
+              </a:solidFill>
+              <a:cs typeface="Arial" pitchFamily="34" charset="0"/>
+            </a:endParaRPr>
+          </a:p>
+        </p:txBody>
+      </p:sp>
+      <p:sp>
+        <p:nvSpPr>
+          <p:cNvPr id="12" name="TextBox 11">
+            <a:hlinkClick r:id="" action="ppaction://noaction"/>
+          </p:cNvPr>
+          <p:cNvSpPr txBox="1"/>
+          <p:nvPr/>
+        </p:nvSpPr>
+        <p:spPr>
+          <a:xfrm>
+            <a:off x="1382792" y="3541070"/>
+            <a:ext cx="1337141" cy="276999"/>
+          </a:xfrm>
+          <a:prstGeom prst="rect">
+            <a:avLst/>
+          </a:prstGeom>
+          <a:solidFill>
+            <a:schemeClr val="tx1">
+              <a:lumMod val="75000"/>
+              <a:lumOff val="25000"/>
+            </a:schemeClr>
+          </a:solidFill>
+        </p:spPr>
+        <p:txBody>
+          <a:bodyPr wrap="square" rtlCol="0" anchor="ctr">
+            <a:spAutoFit/>
+          </a:bodyPr>
+          <a:lstStyle/>
+          <a:p>
+            <a:pPr algn="ctr"/>
+            <a:r>
+              <a:rPr lang="en-US" altLang="ko-KR" sz="1200" dirty="0" smtClean="0">
+                <a:solidFill>
+                  <a:schemeClr val="bg1"/>
+                </a:solidFill>
+                <a:latin typeface="Arial" pitchFamily="34" charset="0"/>
+                <a:cs typeface="Arial" pitchFamily="34" charset="0"/>
+              </a:rPr>
+              <a:t>&gt;&gt;</a:t>
+            </a:r>
+            <a:endParaRPr lang="ko-KR" altLang="en-US" sz="1200" dirty="0">
+              <a:solidFill>
+                <a:schemeClr val="bg1"/>
+              </a:solidFill>
+              <a:latin typeface="Arial" pitchFamily="34" charset="0"/>
+              <a:cs typeface="Arial" pitchFamily="34" charset="0"/>
+            </a:endParaRPr>
+          </a:p>
+        </p:txBody>
+      </p:sp>
     </p:spTree>
     <p:extLst>
       <p:ext uri="{BB962C8B-B14F-4D97-AF65-F5344CB8AC3E}">
-        <p14:creationId xmlns:p14="http://schemas.microsoft.com/office/powerpoint/2010/main" val="2765071350"/>
+        <p14:creationId xmlns:p14="http://schemas.microsoft.com/office/powerpoint/2010/main" val="3865520650"/>
       </p:ext>
     </p:extLst>
   </p:cSld>
   <p:clrMapOvr>
     <a:masterClrMapping/>
   </p:clrMapOvr>
-  <mc:AlternateContent xmlns:mc="http://schemas.openxmlformats.org/markup-compatibility/2006" xmlns:p14="http://schemas.microsoft.com/office/powerpoint/2010/main">
-    <mc:Choice Requires="p14">
-      <p:transition spd="slow" p14:dur="2000"/>
-    </mc:Choice>
-    <mc:Fallback xmlns="">
-      <p:transition spd="slow"/>
-    </mc:Fallback>
-  </mc:AlternateContent>
   <p:timing>
     <p:tnLst>
       <p:par>
@@ -9645,7 +9861,7 @@
 </file>
 
 <file path=ppt/slides/slide12.xml><?xml version="1.0" encoding="utf-8"?>
-<p:sld xmlns:a="http://schemas.openxmlformats.org/drawingml/2006/main" xmlns:r="http://schemas.openxmlformats.org/officeDocument/2006/relationships" xmlns:p="http://schemas.openxmlformats.org/presentationml/2006/main" show="0">
+<p:sld xmlns:a="http://schemas.openxmlformats.org/drawingml/2006/main" xmlns:r="http://schemas.openxmlformats.org/officeDocument/2006/relationships" xmlns:p="http://schemas.openxmlformats.org/presentationml/2006/main">
   <p:cSld>
     <p:spTree>
       <p:nvGrpSpPr>
@@ -9661,9 +9877,133 @@
           <a:chExt cx="0" cy="0"/>
         </a:xfrm>
       </p:grpSpPr>
+      <p:pic>
+        <p:nvPicPr>
+          <p:cNvPr id="13" name="Image1"/>
+          <p:cNvPicPr/>
+          <p:nvPr/>
+        </p:nvPicPr>
+        <p:blipFill>
+          <a:blip r:embed="rId2"/>
+          <a:stretch>
+            <a:fillRect/>
+          </a:stretch>
+        </p:blipFill>
+        <p:spPr bwMode="auto">
+          <a:xfrm>
+            <a:off x="3170248" y="235646"/>
+            <a:ext cx="5784181" cy="5036440"/>
+          </a:xfrm>
+          <a:prstGeom prst="rect">
+            <a:avLst/>
+          </a:prstGeom>
+        </p:spPr>
+      </p:pic>
       <p:sp>
         <p:nvSpPr>
-          <p:cNvPr id="12" name="Text Placeholder 1"/>
+          <p:cNvPr id="6" name="Rectangle 5"/>
+          <p:cNvSpPr/>
+          <p:nvPr/>
+        </p:nvSpPr>
+        <p:spPr>
+          <a:xfrm>
+            <a:off x="175206" y="871749"/>
+            <a:ext cx="2879872" cy="3228363"/>
+          </a:xfrm>
+          <a:prstGeom prst="rect">
+            <a:avLst/>
+          </a:prstGeom>
+          <a:solidFill>
+            <a:schemeClr val="accent1"/>
+          </a:solidFill>
+          <a:ln>
+            <a:noFill/>
+          </a:ln>
+        </p:spPr>
+        <p:style>
+          <a:lnRef idx="2">
+            <a:schemeClr val="accent1">
+              <a:shade val="50000"/>
+            </a:schemeClr>
+          </a:lnRef>
+          <a:fillRef idx="1">
+            <a:schemeClr val="accent1"/>
+          </a:fillRef>
+          <a:effectRef idx="0">
+            <a:schemeClr val="accent1"/>
+          </a:effectRef>
+          <a:fontRef idx="minor">
+            <a:schemeClr val="lt1"/>
+          </a:fontRef>
+        </p:style>
+        <p:txBody>
+          <a:bodyPr rot="0" spcFirstLastPara="0" vertOverflow="overflow" horzOverflow="overflow" vert="horz" wrap="square" lIns="91440" tIns="45720" rIns="91440" bIns="45720" numCol="1" spcCol="0" rtlCol="0" fromWordArt="0" anchor="ctr" anchorCtr="0" forceAA="0" compatLnSpc="1">
+            <a:prstTxWarp prst="textNoShape">
+              <a:avLst/>
+            </a:prstTxWarp>
+            <a:noAutofit/>
+          </a:bodyPr>
+          <a:lstStyle/>
+          <a:p>
+            <a:pPr algn="ctr"/>
+            <a:endParaRPr lang="ko-KR" altLang="en-US"/>
+          </a:p>
+        </p:txBody>
+      </p:sp>
+      <p:sp>
+        <p:nvSpPr>
+          <p:cNvPr id="8" name="Isosceles Triangle 7"/>
+          <p:cNvSpPr/>
+          <p:nvPr/>
+        </p:nvSpPr>
+        <p:spPr>
+          <a:xfrm rot="5400000">
+            <a:off x="3009951" y="2444027"/>
+            <a:ext cx="332790" cy="286888"/>
+          </a:xfrm>
+          <a:prstGeom prst="triangle">
+            <a:avLst/>
+          </a:prstGeom>
+          <a:solidFill>
+            <a:schemeClr val="accent1"/>
+          </a:solidFill>
+          <a:ln>
+            <a:noFill/>
+          </a:ln>
+        </p:spPr>
+        <p:style>
+          <a:lnRef idx="2">
+            <a:schemeClr val="accent1">
+              <a:shade val="50000"/>
+            </a:schemeClr>
+          </a:lnRef>
+          <a:fillRef idx="1">
+            <a:schemeClr val="accent1"/>
+          </a:fillRef>
+          <a:effectRef idx="0">
+            <a:schemeClr val="accent1"/>
+          </a:effectRef>
+          <a:fontRef idx="minor">
+            <a:schemeClr val="lt1"/>
+          </a:fontRef>
+        </p:style>
+        <p:txBody>
+          <a:bodyPr rot="0" spcFirstLastPara="0" vertOverflow="overflow" horzOverflow="overflow" vert="horz" wrap="square" lIns="91440" tIns="45720" rIns="91440" bIns="45720" numCol="1" spcCol="0" rtlCol="0" fromWordArt="0" anchor="ctr" anchorCtr="0" forceAA="0" compatLnSpc="1">
+            <a:prstTxWarp prst="textNoShape">
+              <a:avLst/>
+            </a:prstTxWarp>
+            <a:noAutofit/>
+          </a:bodyPr>
+          <a:lstStyle/>
+          <a:p>
+            <a:pPr algn="ctr"/>
+            <a:endParaRPr lang="ko-KR" altLang="en-US"/>
+          </a:p>
+        </p:txBody>
+      </p:sp>
+      <p:sp>
+        <p:nvSpPr>
+          <p:cNvPr id="10" name="Text Placeholder 13"/>
           <p:cNvSpPr txBox="1">
             <a:spLocks/>
           </p:cNvSpPr>
@@ -9671,8 +10011,8 @@
         </p:nvSpPr>
         <p:spPr>
           <a:xfrm>
-            <a:off x="323528" y="3651870"/>
-            <a:ext cx="4720611" cy="1080120"/>
+            <a:off x="60036" y="989109"/>
+            <a:ext cx="2952328" cy="926353"/>
           </a:xfrm>
           <a:prstGeom prst="rect">
             <a:avLst/>
@@ -9818,135 +10158,153 @@
             </a:lvl9pPr>
           </a:lstStyle>
           <a:p>
-            <a:pPr marL="0" indent="0">
+            <a:pPr marL="0" indent="0" algn="r">
+              <a:lnSpc>
+                <a:spcPct val="110000"/>
+              </a:lnSpc>
               <a:buNone/>
             </a:pPr>
             <a:r>
-              <a:rPr lang="en-US" altLang="ko-KR" b="1">
+              <a:rPr lang="en-US" sz="2400" b="1" dirty="0" smtClean="0">
                 <a:solidFill>
                   <a:schemeClr val="bg1"/>
                 </a:solidFill>
-                <a:latin typeface="+mj-lt"/>
                 <a:cs typeface="Arial" pitchFamily="34" charset="0"/>
               </a:rPr>
-              <a:t>Biểu đồ </a:t>
+              <a:t>Biểu đồ trình tự</a:t>
             </a:r>
-            <a:r>
-              <a:rPr lang="en-US" altLang="ko-KR" b="1" smtClean="0">
-                <a:solidFill>
-                  <a:schemeClr val="accent1"/>
-                </a:solidFill>
-                <a:latin typeface="+mj-lt"/>
-                <a:cs typeface="Arial" pitchFamily="34" charset="0"/>
-              </a:rPr>
-              <a:t>trình tự </a:t>
-            </a:r>
-          </a:p>
-          <a:p>
-            <a:pPr marL="0" indent="0">
-              <a:buNone/>
-            </a:pPr>
-            <a:r>
-              <a:rPr lang="en-US" altLang="ko-KR" b="1" smtClean="0">
-                <a:solidFill>
-                  <a:schemeClr val="bg1"/>
-                </a:solidFill>
-                <a:latin typeface="+mj-lt"/>
-                <a:cs typeface="Arial" pitchFamily="34" charset="0"/>
-              </a:rPr>
-              <a:t>chức </a:t>
-            </a:r>
-            <a:r>
-              <a:rPr lang="en-US" altLang="ko-KR" b="1">
-                <a:solidFill>
-                  <a:schemeClr val="bg1"/>
-                </a:solidFill>
-                <a:latin typeface="+mj-lt"/>
-                <a:cs typeface="Arial" pitchFamily="34" charset="0"/>
-              </a:rPr>
-              <a:t>năng </a:t>
-            </a:r>
-            <a:r>
-              <a:rPr lang="en-US" altLang="ko-KR" b="1">
-                <a:solidFill>
-                  <a:schemeClr val="accent1"/>
-                </a:solidFill>
-                <a:latin typeface="+mj-lt"/>
-                <a:cs typeface="Arial" pitchFamily="34" charset="0"/>
-              </a:rPr>
-              <a:t>đăng </a:t>
-            </a:r>
-            <a:r>
-              <a:rPr lang="en-US" altLang="ko-KR" b="1" smtClean="0">
-                <a:solidFill>
-                  <a:schemeClr val="accent1"/>
-                </a:solidFill>
-                <a:latin typeface="+mj-lt"/>
-                <a:cs typeface="Arial" pitchFamily="34" charset="0"/>
-              </a:rPr>
-              <a:t>nhập</a:t>
-            </a:r>
-            <a:endParaRPr lang="ko-KR" altLang="en-US" b="1" dirty="0">
+            <a:endParaRPr lang="en-US" sz="2400" b="1" dirty="0" smtClean="0">
               <a:solidFill>
                 <a:schemeClr val="bg1"/>
               </a:solidFill>
-              <a:latin typeface="+mj-lt"/>
+              <a:cs typeface="Arial" pitchFamily="34" charset="0"/>
+            </a:endParaRPr>
+          </a:p>
+          <a:p>
+            <a:pPr marL="0" indent="0" algn="r">
+              <a:lnSpc>
+                <a:spcPct val="110000"/>
+              </a:lnSpc>
+              <a:buNone/>
+            </a:pPr>
+            <a:r>
+              <a:rPr lang="en-US" sz="2400" b="1" dirty="0" smtClean="0">
+                <a:solidFill>
+                  <a:srgbClr val="383838"/>
+                </a:solidFill>
+                <a:cs typeface="Arial" pitchFamily="34" charset="0"/>
+              </a:rPr>
+              <a:t>Tham gia khóa học</a:t>
+            </a:r>
+            <a:endParaRPr lang="en-US" altLang="ko-KR" sz="2400" b="1" dirty="0">
+              <a:solidFill>
+                <a:schemeClr val="bg1"/>
+              </a:solidFill>
               <a:cs typeface="Arial" pitchFamily="34" charset="0"/>
             </a:endParaRPr>
           </a:p>
         </p:txBody>
       </p:sp>
-      <p:pic>
-        <p:nvPicPr>
-          <p:cNvPr id="4" name="Picture 3" descr="Trinh tu cho ca SD Dang nhap"/>
-          <p:cNvPicPr/>
+      <p:sp>
+        <p:nvSpPr>
+          <p:cNvPr id="11" name="TextBox 10"/>
+          <p:cNvSpPr txBox="1"/>
           <p:nvPr/>
-        </p:nvPicPr>
-        <p:blipFill>
-          <a:blip r:embed="rId2">
-            <a:extLst>
-              <a:ext uri="{28A0092B-C50C-407E-A947-70E740481C1C}">
-                <a14:useLocalDpi xmlns:a14="http://schemas.microsoft.com/office/drawing/2010/main" val="0"/>
-              </a:ext>
-            </a:extLst>
-          </a:blip>
-          <a:srcRect/>
-          <a:stretch>
-            <a:fillRect/>
-          </a:stretch>
-        </p:blipFill>
-        <p:spPr bwMode="auto">
+        </p:nvSpPr>
+        <p:spPr>
           <a:xfrm>
-            <a:off x="3955845" y="1131590"/>
-            <a:ext cx="5188155" cy="2952328"/>
+            <a:off x="246100" y="2149555"/>
+            <a:ext cx="2543431" cy="1015663"/>
           </a:xfrm>
           <a:prstGeom prst="rect">
             <a:avLst/>
           </a:prstGeom>
           <a:noFill/>
-          <a:ln>
-            <a:noFill/>
-          </a:ln>
         </p:spPr>
-      </p:pic>
+        <p:txBody>
+          <a:bodyPr wrap="square" rtlCol="0" anchor="ctr">
+            <a:spAutoFit/>
+          </a:bodyPr>
+          <a:lstStyle/>
+          <a:p>
+            <a:r>
+              <a:rPr lang="en-US" altLang="ko-KR" sz="1200" dirty="0" smtClean="0">
+                <a:solidFill>
+                  <a:schemeClr val="bg1"/>
+                </a:solidFill>
+                <a:cs typeface="Arial" pitchFamily="34" charset="0"/>
+              </a:rPr>
+              <a:t>Sau khi học viên đã sở hữu khóa học. Các bước sau sẽ thể hiện quy trình tham gia vào khóa học này. Quy trình thực hiện chức năng này hiện đang có 18 bước.</a:t>
+            </a:r>
+            <a:endParaRPr lang="en-US" altLang="ko-KR" sz="1200" dirty="0" smtClean="0">
+              <a:solidFill>
+                <a:schemeClr val="bg1"/>
+              </a:solidFill>
+              <a:cs typeface="Arial" pitchFamily="34" charset="0"/>
+            </a:endParaRPr>
+          </a:p>
+        </p:txBody>
+      </p:sp>
+      <p:sp>
+        <p:nvSpPr>
+          <p:cNvPr id="12" name="TextBox 11">
+            <a:hlinkClick r:id="" action="ppaction://noaction"/>
+          </p:cNvPr>
+          <p:cNvSpPr txBox="1"/>
+          <p:nvPr/>
+        </p:nvSpPr>
+        <p:spPr>
+          <a:xfrm>
+            <a:off x="1382792" y="3541070"/>
+            <a:ext cx="1337141" cy="276999"/>
+          </a:xfrm>
+          <a:prstGeom prst="rect">
+            <a:avLst/>
+          </a:prstGeom>
+          <a:solidFill>
+            <a:schemeClr val="tx1">
+              <a:lumMod val="75000"/>
+              <a:lumOff val="25000"/>
+            </a:schemeClr>
+          </a:solidFill>
+        </p:spPr>
+        <p:txBody>
+          <a:bodyPr wrap="square" rtlCol="0" anchor="ctr">
+            <a:spAutoFit/>
+          </a:bodyPr>
+          <a:lstStyle/>
+          <a:p>
+            <a:pPr algn="ctr"/>
+            <a:r>
+              <a:rPr lang="en-US" altLang="ko-KR" sz="1200" dirty="0" smtClean="0">
+                <a:solidFill>
+                  <a:schemeClr val="bg1"/>
+                </a:solidFill>
+                <a:latin typeface="Arial" pitchFamily="34" charset="0"/>
+                <a:cs typeface="Arial" pitchFamily="34" charset="0"/>
+              </a:rPr>
+              <a:t>&gt;&gt;</a:t>
+            </a:r>
+            <a:endParaRPr lang="ko-KR" altLang="en-US" sz="1200" dirty="0">
+              <a:solidFill>
+                <a:schemeClr val="bg1"/>
+              </a:solidFill>
+              <a:latin typeface="Arial" pitchFamily="34" charset="0"/>
+              <a:cs typeface="Arial" pitchFamily="34" charset="0"/>
+            </a:endParaRPr>
+          </a:p>
+        </p:txBody>
+      </p:sp>
     </p:spTree>
     <p:extLst>
       <p:ext uri="{BB962C8B-B14F-4D97-AF65-F5344CB8AC3E}">
-        <p14:creationId xmlns:p14="http://schemas.microsoft.com/office/powerpoint/2010/main" val="3366472231"/>
+        <p14:creationId xmlns:p14="http://schemas.microsoft.com/office/powerpoint/2010/main" val="205817265"/>
       </p:ext>
     </p:extLst>
   </p:cSld>
   <p:clrMapOvr>
     <a:masterClrMapping/>
   </p:clrMapOvr>
-  <mc:AlternateContent xmlns:mc="http://schemas.openxmlformats.org/markup-compatibility/2006" xmlns:p14="http://schemas.microsoft.com/office/powerpoint/2010/main">
-    <mc:Choice Requires="p14">
-      <p:transition spd="slow" p14:dur="2000"/>
-    </mc:Choice>
-    <mc:Fallback xmlns="">
-      <p:transition spd="slow"/>
-    </mc:Fallback>
-  </mc:AlternateContent>
   <p:timing>
     <p:tnLst>
       <p:par>
@@ -9958,309 +10316,6 @@
 </file>
 
 <file path=ppt/slides/slide13.xml><?xml version="1.0" encoding="utf-8"?>
-<p:sld xmlns:a="http://schemas.openxmlformats.org/drawingml/2006/main" xmlns:r="http://schemas.openxmlformats.org/officeDocument/2006/relationships" xmlns:p="http://schemas.openxmlformats.org/presentationml/2006/main" show="0">
-  <p:cSld>
-    <p:spTree>
-      <p:nvGrpSpPr>
-        <p:cNvPr id="1" name=""/>
-        <p:cNvGrpSpPr/>
-        <p:nvPr/>
-      </p:nvGrpSpPr>
-      <p:grpSpPr>
-        <a:xfrm>
-          <a:off x="0" y="0"/>
-          <a:ext cx="0" cy="0"/>
-          <a:chOff x="0" y="0"/>
-          <a:chExt cx="0" cy="0"/>
-        </a:xfrm>
-      </p:grpSpPr>
-      <p:sp>
-        <p:nvSpPr>
-          <p:cNvPr id="12" name="Text Placeholder 1"/>
-          <p:cNvSpPr txBox="1">
-            <a:spLocks/>
-          </p:cNvSpPr>
-          <p:nvPr/>
-        </p:nvSpPr>
-        <p:spPr>
-          <a:xfrm>
-            <a:off x="107504" y="3723878"/>
-            <a:ext cx="6264696" cy="1080120"/>
-          </a:xfrm>
-          <a:prstGeom prst="rect">
-            <a:avLst/>
-          </a:prstGeom>
-        </p:spPr>
-        <p:txBody>
-          <a:bodyPr anchor="ctr"/>
-          <a:lstStyle>
-            <a:lvl1pPr marL="342900" indent="-342900" algn="l" defTabSz="914400" rtl="0" eaLnBrk="1" latinLnBrk="1" hangingPunct="1">
-              <a:spcBef>
-                <a:spcPct val="20000"/>
-              </a:spcBef>
-              <a:buFont typeface="Arial" pitchFamily="34" charset="0"/>
-              <a:buChar char="•"/>
-              <a:defRPr sz="3200" kern="1200">
-                <a:solidFill>
-                  <a:schemeClr val="tx1"/>
-                </a:solidFill>
-                <a:latin typeface="+mn-lt"/>
-                <a:ea typeface="+mn-ea"/>
-                <a:cs typeface="+mn-cs"/>
-              </a:defRPr>
-            </a:lvl1pPr>
-            <a:lvl2pPr marL="742950" indent="-285750" algn="l" defTabSz="914400" rtl="0" eaLnBrk="1" latinLnBrk="1" hangingPunct="1">
-              <a:spcBef>
-                <a:spcPct val="20000"/>
-              </a:spcBef>
-              <a:buFont typeface="Arial" pitchFamily="34" charset="0"/>
-              <a:buChar char="–"/>
-              <a:defRPr sz="2800" kern="1200">
-                <a:solidFill>
-                  <a:schemeClr val="tx1"/>
-                </a:solidFill>
-                <a:latin typeface="+mn-lt"/>
-                <a:ea typeface="+mn-ea"/>
-                <a:cs typeface="+mn-cs"/>
-              </a:defRPr>
-            </a:lvl2pPr>
-            <a:lvl3pPr marL="1143000" indent="-228600" algn="l" defTabSz="914400" rtl="0" eaLnBrk="1" latinLnBrk="1" hangingPunct="1">
-              <a:spcBef>
-                <a:spcPct val="20000"/>
-              </a:spcBef>
-              <a:buFont typeface="Arial" pitchFamily="34" charset="0"/>
-              <a:buChar char="•"/>
-              <a:defRPr sz="2400" kern="1200">
-                <a:solidFill>
-                  <a:schemeClr val="tx1"/>
-                </a:solidFill>
-                <a:latin typeface="+mn-lt"/>
-                <a:ea typeface="+mn-ea"/>
-                <a:cs typeface="+mn-cs"/>
-              </a:defRPr>
-            </a:lvl3pPr>
-            <a:lvl4pPr marL="1600200" indent="-228600" algn="l" defTabSz="914400" rtl="0" eaLnBrk="1" latinLnBrk="1" hangingPunct="1">
-              <a:spcBef>
-                <a:spcPct val="20000"/>
-              </a:spcBef>
-              <a:buFont typeface="Arial" pitchFamily="34" charset="0"/>
-              <a:buChar char="–"/>
-              <a:defRPr sz="2000" kern="1200">
-                <a:solidFill>
-                  <a:schemeClr val="tx1"/>
-                </a:solidFill>
-                <a:latin typeface="+mn-lt"/>
-                <a:ea typeface="+mn-ea"/>
-                <a:cs typeface="+mn-cs"/>
-              </a:defRPr>
-            </a:lvl4pPr>
-            <a:lvl5pPr marL="2057400" indent="-228600" algn="l" defTabSz="914400" rtl="0" eaLnBrk="1" latinLnBrk="1" hangingPunct="1">
-              <a:spcBef>
-                <a:spcPct val="20000"/>
-              </a:spcBef>
-              <a:buFont typeface="Arial" pitchFamily="34" charset="0"/>
-              <a:buChar char="»"/>
-              <a:defRPr sz="2000" kern="1200">
-                <a:solidFill>
-                  <a:schemeClr val="tx1"/>
-                </a:solidFill>
-                <a:latin typeface="+mn-lt"/>
-                <a:ea typeface="+mn-ea"/>
-                <a:cs typeface="+mn-cs"/>
-              </a:defRPr>
-            </a:lvl5pPr>
-            <a:lvl6pPr marL="2514600" indent="-228600" algn="l" defTabSz="914400" rtl="0" eaLnBrk="1" latinLnBrk="1" hangingPunct="1">
-              <a:spcBef>
-                <a:spcPct val="20000"/>
-              </a:spcBef>
-              <a:buFont typeface="Arial" pitchFamily="34" charset="0"/>
-              <a:buChar char="•"/>
-              <a:defRPr sz="2000" kern="1200">
-                <a:solidFill>
-                  <a:schemeClr val="tx1"/>
-                </a:solidFill>
-                <a:latin typeface="+mn-lt"/>
-                <a:ea typeface="+mn-ea"/>
-                <a:cs typeface="+mn-cs"/>
-              </a:defRPr>
-            </a:lvl6pPr>
-            <a:lvl7pPr marL="2971800" indent="-228600" algn="l" defTabSz="914400" rtl="0" eaLnBrk="1" latinLnBrk="1" hangingPunct="1">
-              <a:spcBef>
-                <a:spcPct val="20000"/>
-              </a:spcBef>
-              <a:buFont typeface="Arial" pitchFamily="34" charset="0"/>
-              <a:buChar char="•"/>
-              <a:defRPr sz="2000" kern="1200">
-                <a:solidFill>
-                  <a:schemeClr val="tx1"/>
-                </a:solidFill>
-                <a:latin typeface="+mn-lt"/>
-                <a:ea typeface="+mn-ea"/>
-                <a:cs typeface="+mn-cs"/>
-              </a:defRPr>
-            </a:lvl7pPr>
-            <a:lvl8pPr marL="3429000" indent="-228600" algn="l" defTabSz="914400" rtl="0" eaLnBrk="1" latinLnBrk="1" hangingPunct="1">
-              <a:spcBef>
-                <a:spcPct val="20000"/>
-              </a:spcBef>
-              <a:buFont typeface="Arial" pitchFamily="34" charset="0"/>
-              <a:buChar char="•"/>
-              <a:defRPr sz="2000" kern="1200">
-                <a:solidFill>
-                  <a:schemeClr val="tx1"/>
-                </a:solidFill>
-                <a:latin typeface="+mn-lt"/>
-                <a:ea typeface="+mn-ea"/>
-                <a:cs typeface="+mn-cs"/>
-              </a:defRPr>
-            </a:lvl8pPr>
-            <a:lvl9pPr marL="3886200" indent="-228600" algn="l" defTabSz="914400" rtl="0" eaLnBrk="1" latinLnBrk="1" hangingPunct="1">
-              <a:spcBef>
-                <a:spcPct val="20000"/>
-              </a:spcBef>
-              <a:buFont typeface="Arial" pitchFamily="34" charset="0"/>
-              <a:buChar char="•"/>
-              <a:defRPr sz="2000" kern="1200">
-                <a:solidFill>
-                  <a:schemeClr val="tx1"/>
-                </a:solidFill>
-                <a:latin typeface="+mn-lt"/>
-                <a:ea typeface="+mn-ea"/>
-                <a:cs typeface="+mn-cs"/>
-              </a:defRPr>
-            </a:lvl9pPr>
-          </a:lstStyle>
-          <a:p>
-            <a:pPr marL="0" indent="0">
-              <a:buNone/>
-            </a:pPr>
-            <a:r>
-              <a:rPr lang="en-US" altLang="ko-KR" b="1">
-                <a:solidFill>
-                  <a:schemeClr val="bg1"/>
-                </a:solidFill>
-                <a:latin typeface="+mj-lt"/>
-                <a:cs typeface="Arial" pitchFamily="34" charset="0"/>
-              </a:rPr>
-              <a:t>Biểu đồ </a:t>
-            </a:r>
-            <a:r>
-              <a:rPr lang="en-US" altLang="ko-KR" b="1" smtClean="0">
-                <a:solidFill>
-                  <a:schemeClr val="accent1"/>
-                </a:solidFill>
-                <a:latin typeface="+mj-lt"/>
-                <a:cs typeface="Arial" pitchFamily="34" charset="0"/>
-              </a:rPr>
-              <a:t>trình tự </a:t>
-            </a:r>
-          </a:p>
-          <a:p>
-            <a:pPr marL="0" indent="0">
-              <a:buNone/>
-            </a:pPr>
-            <a:r>
-              <a:rPr lang="en-US" altLang="ko-KR" b="1" smtClean="0">
-                <a:solidFill>
-                  <a:schemeClr val="bg1"/>
-                </a:solidFill>
-                <a:latin typeface="+mj-lt"/>
-                <a:cs typeface="Arial" pitchFamily="34" charset="0"/>
-              </a:rPr>
-              <a:t>chức </a:t>
-            </a:r>
-            <a:r>
-              <a:rPr lang="en-US" altLang="ko-KR" b="1">
-                <a:solidFill>
-                  <a:schemeClr val="bg1"/>
-                </a:solidFill>
-                <a:latin typeface="+mj-lt"/>
-                <a:cs typeface="Arial" pitchFamily="34" charset="0"/>
-              </a:rPr>
-              <a:t>năng </a:t>
-            </a:r>
-            <a:r>
-              <a:rPr lang="en-US" altLang="ko-KR" b="1" smtClean="0">
-                <a:solidFill>
-                  <a:schemeClr val="accent1"/>
-                </a:solidFill>
-                <a:latin typeface="+mj-lt"/>
-                <a:cs typeface="Arial" pitchFamily="34" charset="0"/>
-              </a:rPr>
-              <a:t>thêm vào giỏ hàng</a:t>
-            </a:r>
-            <a:endParaRPr lang="ko-KR" altLang="en-US" b="1" dirty="0">
-              <a:solidFill>
-                <a:schemeClr val="bg1"/>
-              </a:solidFill>
-              <a:latin typeface="+mj-lt"/>
-              <a:cs typeface="Arial" pitchFamily="34" charset="0"/>
-            </a:endParaRPr>
-          </a:p>
-        </p:txBody>
-      </p:sp>
-      <p:pic>
-        <p:nvPicPr>
-          <p:cNvPr id="5" name="Picture 4" descr="Trinh tu -them san phan vao gio hang-"/>
-          <p:cNvPicPr/>
-          <p:nvPr/>
-        </p:nvPicPr>
-        <p:blipFill>
-          <a:blip r:embed="rId2">
-            <a:extLst>
-              <a:ext uri="{28A0092B-C50C-407E-A947-70E740481C1C}">
-                <a14:useLocalDpi xmlns:a14="http://schemas.microsoft.com/office/drawing/2010/main" val="0"/>
-              </a:ext>
-            </a:extLst>
-          </a:blip>
-          <a:srcRect/>
-          <a:stretch>
-            <a:fillRect/>
-          </a:stretch>
-        </p:blipFill>
-        <p:spPr bwMode="auto">
-          <a:xfrm>
-            <a:off x="3442880" y="699542"/>
-            <a:ext cx="5724525" cy="3333750"/>
-          </a:xfrm>
-          <a:prstGeom prst="rect">
-            <a:avLst/>
-          </a:prstGeom>
-          <a:noFill/>
-          <a:ln>
-            <a:noFill/>
-          </a:ln>
-        </p:spPr>
-      </p:pic>
-    </p:spTree>
-    <p:extLst>
-      <p:ext uri="{BB962C8B-B14F-4D97-AF65-F5344CB8AC3E}">
-        <p14:creationId xmlns:p14="http://schemas.microsoft.com/office/powerpoint/2010/main" val="994898894"/>
-      </p:ext>
-    </p:extLst>
-  </p:cSld>
-  <p:clrMapOvr>
-    <a:masterClrMapping/>
-  </p:clrMapOvr>
-  <mc:AlternateContent xmlns:mc="http://schemas.openxmlformats.org/markup-compatibility/2006" xmlns:p14="http://schemas.microsoft.com/office/powerpoint/2010/main">
-    <mc:Choice Requires="p14">
-      <p:transition spd="slow" p14:dur="2000"/>
-    </mc:Choice>
-    <mc:Fallback xmlns="">
-      <p:transition spd="slow"/>
-    </mc:Fallback>
-  </mc:AlternateContent>
-  <p:timing>
-    <p:tnLst>
-      <p:par>
-        <p:cTn id="1" dur="indefinite" restart="never" nodeType="tmRoot"/>
-      </p:par>
-    </p:tnLst>
-  </p:timing>
-</p:sld>
-</file>
-
-<file path=ppt/slides/slide14.xml><?xml version="1.0" encoding="utf-8"?>
 <p:sld xmlns:a="http://schemas.openxmlformats.org/drawingml/2006/main" xmlns:r="http://schemas.openxmlformats.org/officeDocument/2006/relationships" xmlns:p="http://schemas.openxmlformats.org/presentationml/2006/main">
   <p:cSld>
     <p:spTree>
@@ -10858,7 +10913,7 @@
 </p:sld>
 </file>
 
-<file path=ppt/slides/slide15.xml><?xml version="1.0" encoding="utf-8"?>
+<file path=ppt/slides/slide14.xml><?xml version="1.0" encoding="utf-8"?>
 <p:sld xmlns:a="http://schemas.openxmlformats.org/drawingml/2006/main" xmlns:r="http://schemas.openxmlformats.org/officeDocument/2006/relationships" xmlns:p="http://schemas.openxmlformats.org/presentationml/2006/main">
   <p:cSld>
     <p:spTree>
@@ -11450,7 +11505,7 @@
 </p:sld>
 </file>
 
-<file path=ppt/slides/slide16.xml><?xml version="1.0" encoding="utf-8"?>
+<file path=ppt/slides/slide15.xml><?xml version="1.0" encoding="utf-8"?>
 <p:sld xmlns:a="http://schemas.openxmlformats.org/drawingml/2006/main" xmlns:r="http://schemas.openxmlformats.org/officeDocument/2006/relationships" xmlns:p="http://schemas.openxmlformats.org/presentationml/2006/main">
   <p:cSld>
     <p:spTree>
@@ -11778,7 +11833,7 @@
 </p:sld>
 </file>
 
-<file path=ppt/slides/slide17.xml><?xml version="1.0" encoding="utf-8"?>
+<file path=ppt/slides/slide16.xml><?xml version="1.0" encoding="utf-8"?>
 <p:sld xmlns:a="http://schemas.openxmlformats.org/drawingml/2006/main" xmlns:r="http://schemas.openxmlformats.org/officeDocument/2006/relationships" xmlns:p="http://schemas.openxmlformats.org/presentationml/2006/main">
   <p:cSld>
     <p:spTree>
@@ -11851,7 +11906,7 @@
 </p:sld>
 </file>
 
-<file path=ppt/slides/slide18.xml><?xml version="1.0" encoding="utf-8"?>
+<file path=ppt/slides/slide17.xml><?xml version="1.0" encoding="utf-8"?>
 <p:sld xmlns:a="http://schemas.openxmlformats.org/drawingml/2006/main" xmlns:r="http://schemas.openxmlformats.org/officeDocument/2006/relationships" xmlns:p="http://schemas.openxmlformats.org/presentationml/2006/main">
   <p:cSld>
     <p:spTree>
@@ -11873,7 +11928,7 @@
           <p:cNvPr id="45" name="Group 2">
             <a:extLst>
               <a:ext uri="{FF2B5EF4-FFF2-40B4-BE49-F238E27FC236}">
-                <a16:creationId xmlns="" xmlns:a16="http://schemas.microsoft.com/office/drawing/2014/main" id="{83BCDA16-84D3-448C-B08C-94B23FAF4F3C}"/>
+                <a16:creationId xmlns:a16="http://schemas.microsoft.com/office/drawing/2014/main" id="{83BCDA16-84D3-448C-B08C-94B23FAF4F3C}"/>
               </a:ext>
             </a:extLst>
           </p:cNvPr>
@@ -11893,7 +11948,7 @@
             <p:cNvPr id="55" name="Rectangle 12">
               <a:extLst>
                 <a:ext uri="{FF2B5EF4-FFF2-40B4-BE49-F238E27FC236}">
-                  <a16:creationId xmlns="" xmlns:a16="http://schemas.microsoft.com/office/drawing/2014/main" id="{8ED5C5EE-57CD-4AF0-815E-0BE828C54861}"/>
+                  <a16:creationId xmlns:a16="http://schemas.microsoft.com/office/drawing/2014/main" id="{8ED5C5EE-57CD-4AF0-815E-0BE828C54861}"/>
                 </a:ext>
               </a:extLst>
             </p:cNvPr>
@@ -12020,7 +12075,7 @@
             <p:cNvPr id="56" name="Round Same Side Corner Rectangle 13">
               <a:extLst>
                 <a:ext uri="{FF2B5EF4-FFF2-40B4-BE49-F238E27FC236}">
-                  <a16:creationId xmlns="" xmlns:a16="http://schemas.microsoft.com/office/drawing/2014/main" id="{4B69123E-C8D1-4ECF-9F1C-F507B3921D6C}"/>
+                  <a16:creationId xmlns:a16="http://schemas.microsoft.com/office/drawing/2014/main" id="{4B69123E-C8D1-4ECF-9F1C-F507B3921D6C}"/>
                 </a:ext>
               </a:extLst>
             </p:cNvPr>
@@ -16258,7 +16313,7 @@
           <p:cNvPr id="50" name="Oval 25">
             <a:extLst>
               <a:ext uri="{FF2B5EF4-FFF2-40B4-BE49-F238E27FC236}">
-                <a16:creationId xmlns="" xmlns:a16="http://schemas.microsoft.com/office/drawing/2014/main" id="{00BEC2BF-59C0-4F1B-A205-0458C291301E}"/>
+                <a16:creationId xmlns:a16="http://schemas.microsoft.com/office/drawing/2014/main" id="{00BEC2BF-59C0-4F1B-A205-0458C291301E}"/>
               </a:ext>
             </a:extLst>
           </p:cNvPr>
@@ -16494,7 +16549,7 @@
 </p:sld>
 </file>
 
-<file path=ppt/slides/slide19.xml><?xml version="1.0" encoding="utf-8"?>
+<file path=ppt/slides/slide18.xml><?xml version="1.0" encoding="utf-8"?>
 <p:sld xmlns:a="http://schemas.openxmlformats.org/drawingml/2006/main" xmlns:r="http://schemas.openxmlformats.org/officeDocument/2006/relationships" xmlns:p="http://schemas.openxmlformats.org/presentationml/2006/main">
   <p:cSld>
     <p:spTree>
@@ -20539,6 +20594,334 @@
 </p:sld>
 </file>
 
+<file path=ppt/slides/slide19.xml><?xml version="1.0" encoding="utf-8"?>
+<p:sld xmlns:a="http://schemas.openxmlformats.org/drawingml/2006/main" xmlns:r="http://schemas.openxmlformats.org/officeDocument/2006/relationships" xmlns:p="http://schemas.openxmlformats.org/presentationml/2006/main">
+  <p:cSld>
+    <p:spTree>
+      <p:nvGrpSpPr>
+        <p:cNvPr id="1" name=""/>
+        <p:cNvGrpSpPr/>
+        <p:nvPr/>
+      </p:nvGrpSpPr>
+      <p:grpSpPr>
+        <a:xfrm>
+          <a:off x="0" y="0"/>
+          <a:ext cx="0" cy="0"/>
+          <a:chOff x="0" y="0"/>
+          <a:chExt cx="0" cy="0"/>
+        </a:xfrm>
+      </p:grpSpPr>
+      <p:sp>
+        <p:nvSpPr>
+          <p:cNvPr id="2" name="Text Placeholder 1"/>
+          <p:cNvSpPr>
+            <a:spLocks noGrp="1"/>
+          </p:cNvSpPr>
+          <p:nvPr>
+            <p:ph type="body" sz="quarter" idx="10"/>
+          </p:nvPr>
+        </p:nvSpPr>
+        <p:spPr/>
+        <p:txBody>
+          <a:bodyPr/>
+          <a:lstStyle/>
+          <a:p>
+            <a:r>
+              <a:rPr lang="en-US" altLang="ko-KR" sz="2400" smtClean="0"/>
+              <a:t>Xây dựng website</a:t>
+            </a:r>
+            <a:endParaRPr lang="ko-KR" altLang="en-US" sz="2400" dirty="0"/>
+          </a:p>
+        </p:txBody>
+      </p:sp>
+      <p:sp>
+        <p:nvSpPr>
+          <p:cNvPr id="3" name="Text Placeholder 2"/>
+          <p:cNvSpPr>
+            <a:spLocks noGrp="1"/>
+          </p:cNvSpPr>
+          <p:nvPr>
+            <p:ph type="body" sz="quarter" idx="11"/>
+          </p:nvPr>
+        </p:nvSpPr>
+        <p:spPr/>
+        <p:txBody>
+          <a:bodyPr/>
+          <a:lstStyle/>
+          <a:p>
+            <a:pPr lvl="0"/>
+            <a:r>
+              <a:rPr lang="en-US" altLang="ko-KR" smtClean="0"/>
+              <a:t>Website building</a:t>
+            </a:r>
+            <a:endParaRPr lang="en-US" altLang="ko-KR" dirty="0"/>
+          </a:p>
+        </p:txBody>
+      </p:sp>
+      <p:sp>
+        <p:nvSpPr>
+          <p:cNvPr id="4" name="Freeform 3"/>
+          <p:cNvSpPr/>
+          <p:nvPr/>
+        </p:nvSpPr>
+        <p:spPr>
+          <a:xfrm>
+            <a:off x="5025036" y="2152650"/>
+            <a:ext cx="343094" cy="840698"/>
+          </a:xfrm>
+          <a:custGeom>
+            <a:avLst/>
+            <a:gdLst/>
+            <a:ahLst/>
+            <a:cxnLst/>
+            <a:rect l="l" t="t" r="r" b="b"/>
+            <a:pathLst>
+              <a:path w="1060423" h="2598393">
+                <a:moveTo>
+                  <a:pt x="511607" y="1989888"/>
+                </a:moveTo>
+                <a:cubicBezTo>
+                  <a:pt x="421916" y="2038892"/>
+                  <a:pt x="392123" y="2248491"/>
+                  <a:pt x="577615" y="2379095"/>
+                </a:cubicBezTo>
+                <a:cubicBezTo>
+                  <a:pt x="531205" y="2257454"/>
+                  <a:pt x="562054" y="2197447"/>
+                  <a:pt x="592034" y="2136572"/>
+                </a:cubicBezTo>
+                <a:cubicBezTo>
+                  <a:pt x="592534" y="2167519"/>
+                  <a:pt x="560915" y="2234057"/>
+                  <a:pt x="638675" y="2272816"/>
+                </a:cubicBezTo>
+                <a:cubicBezTo>
+                  <a:pt x="602283" y="2156226"/>
+                  <a:pt x="756001" y="2119500"/>
+                  <a:pt x="594605" y="1990756"/>
+                </a:cubicBezTo>
+                <a:cubicBezTo>
+                  <a:pt x="828052" y="2024484"/>
+                  <a:pt x="759407" y="2143283"/>
+                  <a:pt x="814896" y="2262952"/>
+                </a:cubicBezTo>
+                <a:cubicBezTo>
+                  <a:pt x="774295" y="2270013"/>
+                  <a:pt x="715464" y="2161619"/>
+                  <a:pt x="728685" y="2212952"/>
+                </a:cubicBezTo>
+                <a:cubicBezTo>
+                  <a:pt x="798068" y="2415798"/>
+                  <a:pt x="590532" y="2421590"/>
+                  <a:pt x="656442" y="2598393"/>
+                </a:cubicBezTo>
+                <a:cubicBezTo>
+                  <a:pt x="451592" y="2586815"/>
+                  <a:pt x="511509" y="2396411"/>
+                  <a:pt x="415171" y="2350110"/>
+                </a:cubicBezTo>
+                <a:cubicBezTo>
+                  <a:pt x="389023" y="2345435"/>
+                  <a:pt x="357666" y="2366802"/>
+                  <a:pt x="415723" y="2461957"/>
+                </a:cubicBezTo>
+                <a:cubicBezTo>
+                  <a:pt x="77590" y="2209980"/>
+                  <a:pt x="314998" y="2004011"/>
+                  <a:pt x="511607" y="1989888"/>
+                </a:cubicBezTo>
+                <a:close/>
+                <a:moveTo>
+                  <a:pt x="344786" y="1884983"/>
+                </a:moveTo>
+                <a:lnTo>
+                  <a:pt x="722598" y="1884983"/>
+                </a:lnTo>
+                <a:cubicBezTo>
+                  <a:pt x="716460" y="1906965"/>
+                  <a:pt x="711917" y="1928321"/>
+                  <a:pt x="707988" y="1948728"/>
+                </a:cubicBezTo>
+                <a:lnTo>
+                  <a:pt x="357819" y="1948059"/>
+                </a:lnTo>
+                <a:close/>
+                <a:moveTo>
+                  <a:pt x="530212" y="651224"/>
+                </a:moveTo>
+                <a:cubicBezTo>
+                  <a:pt x="585486" y="651224"/>
+                  <a:pt x="630294" y="696033"/>
+                  <a:pt x="630294" y="751307"/>
+                </a:cubicBezTo>
+                <a:cubicBezTo>
+                  <a:pt x="630294" y="806581"/>
+                  <a:pt x="585486" y="851389"/>
+                  <a:pt x="530212" y="851389"/>
+                </a:cubicBezTo>
+                <a:cubicBezTo>
+                  <a:pt x="474938" y="851389"/>
+                  <a:pt x="430129" y="806581"/>
+                  <a:pt x="430129" y="751307"/>
+                </a:cubicBezTo>
+                <a:cubicBezTo>
+                  <a:pt x="430129" y="696033"/>
+                  <a:pt x="474938" y="651224"/>
+                  <a:pt x="530212" y="651224"/>
+                </a:cubicBezTo>
+                <a:close/>
+                <a:moveTo>
+                  <a:pt x="530212" y="551141"/>
+                </a:moveTo>
+                <a:cubicBezTo>
+                  <a:pt x="419664" y="551141"/>
+                  <a:pt x="330046" y="640759"/>
+                  <a:pt x="330046" y="751307"/>
+                </a:cubicBezTo>
+                <a:cubicBezTo>
+                  <a:pt x="330046" y="861855"/>
+                  <a:pt x="419664" y="951472"/>
+                  <a:pt x="530212" y="951472"/>
+                </a:cubicBezTo>
+                <a:cubicBezTo>
+                  <a:pt x="640760" y="951472"/>
+                  <a:pt x="730377" y="861855"/>
+                  <a:pt x="730377" y="751307"/>
+                </a:cubicBezTo>
+                <a:cubicBezTo>
+                  <a:pt x="730377" y="640759"/>
+                  <a:pt x="640760" y="551141"/>
+                  <a:pt x="530212" y="551141"/>
+                </a:cubicBezTo>
+                <a:close/>
+                <a:moveTo>
+                  <a:pt x="286245" y="353827"/>
+                </a:moveTo>
+                <a:cubicBezTo>
+                  <a:pt x="438132" y="439406"/>
+                  <a:pt x="623290" y="440561"/>
+                  <a:pt x="776100" y="356932"/>
+                </a:cubicBezTo>
+                <a:cubicBezTo>
+                  <a:pt x="941305" y="720175"/>
+                  <a:pt x="898096" y="1115325"/>
+                  <a:pt x="825241" y="1447764"/>
+                </a:cubicBezTo>
+                <a:lnTo>
+                  <a:pt x="1060423" y="1673413"/>
+                </a:lnTo>
+                <a:lnTo>
+                  <a:pt x="1021935" y="1978110"/>
+                </a:lnTo>
+                <a:lnTo>
+                  <a:pt x="745125" y="1786699"/>
+                </a:lnTo>
+                <a:lnTo>
+                  <a:pt x="734250" y="1834148"/>
+                </a:lnTo>
+                <a:lnTo>
+                  <a:pt x="332991" y="1834148"/>
+                </a:lnTo>
+                <a:cubicBezTo>
+                  <a:pt x="330005" y="1820736"/>
+                  <a:pt x="326662" y="1807037"/>
+                  <a:pt x="323192" y="1793020"/>
+                </a:cubicBezTo>
+                <a:lnTo>
+                  <a:pt x="38489" y="1989888"/>
+                </a:lnTo>
+                <a:lnTo>
+                  <a:pt x="0" y="1685191"/>
+                </a:lnTo>
+                <a:lnTo>
+                  <a:pt x="237343" y="1457469"/>
+                </a:lnTo>
+                <a:lnTo>
+                  <a:pt x="238009" y="1459571"/>
+                </a:lnTo>
+                <a:lnTo>
+                  <a:pt x="242012" y="1446515"/>
+                </a:lnTo>
+                <a:cubicBezTo>
+                  <a:pt x="171205" y="1115067"/>
+                  <a:pt x="127758" y="714059"/>
+                  <a:pt x="286245" y="353827"/>
+                </a:cubicBezTo>
+                <a:close/>
+                <a:moveTo>
+                  <a:pt x="527942" y="0"/>
+                </a:moveTo>
+                <a:cubicBezTo>
+                  <a:pt x="622760" y="95693"/>
+                  <a:pt x="695048" y="196745"/>
+                  <a:pt x="748164" y="301374"/>
+                </a:cubicBezTo>
+                <a:cubicBezTo>
+                  <a:pt x="612692" y="376844"/>
+                  <a:pt x="447588" y="375495"/>
+                  <a:pt x="312997" y="298024"/>
+                </a:cubicBezTo>
+                <a:cubicBezTo>
+                  <a:pt x="364591" y="193505"/>
+                  <a:pt x="435080" y="93397"/>
+                  <a:pt x="527942" y="0"/>
+                </a:cubicBezTo>
+                <a:close/>
+              </a:path>
+            </a:pathLst>
+          </a:custGeom>
+          <a:solidFill>
+            <a:schemeClr val="bg1"/>
+          </a:solidFill>
+          <a:ln>
+            <a:noFill/>
+          </a:ln>
+        </p:spPr>
+        <p:style>
+          <a:lnRef idx="2">
+            <a:schemeClr val="accent1">
+              <a:shade val="50000"/>
+            </a:schemeClr>
+          </a:lnRef>
+          <a:fillRef idx="1">
+            <a:schemeClr val="accent1"/>
+          </a:fillRef>
+          <a:effectRef idx="0">
+            <a:schemeClr val="accent1"/>
+          </a:effectRef>
+          <a:fontRef idx="minor">
+            <a:schemeClr val="lt1"/>
+          </a:fontRef>
+        </p:style>
+        <p:txBody>
+          <a:bodyPr rtlCol="0" anchor="ctr"/>
+          <a:lstStyle/>
+          <a:p>
+            <a:pPr algn="ctr"/>
+            <a:endParaRPr lang="ko-KR" altLang="en-US"/>
+          </a:p>
+        </p:txBody>
+      </p:sp>
+    </p:spTree>
+    <p:extLst>
+      <p:ext uri="{BB962C8B-B14F-4D97-AF65-F5344CB8AC3E}">
+        <p14:creationId xmlns:p14="http://schemas.microsoft.com/office/powerpoint/2010/main" val="2895627453"/>
+      </p:ext>
+    </p:extLst>
+  </p:cSld>
+  <p:clrMapOvr>
+    <a:masterClrMapping/>
+  </p:clrMapOvr>
+  <p:timing>
+    <p:tnLst>
+      <p:par>
+        <p:cTn id="1" dur="indefinite" restart="never" nodeType="tmRoot"/>
+      </p:par>
+    </p:tnLst>
+  </p:timing>
+</p:sld>
+</file>
+
 <file path=ppt/slides/slide2.xml><?xml version="1.0" encoding="utf-8"?>
 <p:sld xmlns:a="http://schemas.openxmlformats.org/drawingml/2006/main" xmlns:r="http://schemas.openxmlformats.org/officeDocument/2006/relationships" xmlns:p="http://schemas.openxmlformats.org/presentationml/2006/main">
   <p:cSld>
@@ -20911,7 +21294,7 @@
             <a:lstStyle/>
             <a:p>
               <a:r>
-                <a:rPr lang="en-US" altLang="ko-KR" sz="1200" smtClean="0">
+                <a:rPr lang="en-US" altLang="ko-KR" sz="1200" dirty="0" smtClean="0">
                   <a:solidFill>
                     <a:schemeClr val="tx1">
                       <a:lumMod val="75000"/>
@@ -21125,7 +21508,7 @@
             <a:lstStyle/>
             <a:p>
               <a:r>
-                <a:rPr lang="en-US" altLang="ko-KR" sz="1200" smtClean="0">
+                <a:rPr lang="en-US" altLang="ko-KR" sz="1200" dirty="0" smtClean="0">
                   <a:solidFill>
                     <a:schemeClr val="tx1">
                       <a:lumMod val="75000"/>
@@ -21487,1128 +21870,6 @@
 </file>
 
 <file path=ppt/slides/slide20.xml><?xml version="1.0" encoding="utf-8"?>
-<p:sld xmlns:a="http://schemas.openxmlformats.org/drawingml/2006/main" xmlns:r="http://schemas.openxmlformats.org/officeDocument/2006/relationships" xmlns:p="http://schemas.openxmlformats.org/presentationml/2006/main" show="0">
-  <p:cSld>
-    <p:spTree>
-      <p:nvGrpSpPr>
-        <p:cNvPr id="1" name=""/>
-        <p:cNvGrpSpPr/>
-        <p:nvPr/>
-      </p:nvGrpSpPr>
-      <p:grpSpPr>
-        <a:xfrm>
-          <a:off x="0" y="0"/>
-          <a:ext cx="0" cy="0"/>
-          <a:chOff x="0" y="0"/>
-          <a:chExt cx="0" cy="0"/>
-        </a:xfrm>
-      </p:grpSpPr>
-      <p:sp>
-        <p:nvSpPr>
-          <p:cNvPr id="3" name="그림 개체 틀 2">
-            <a:extLst>
-              <a:ext uri="{FF2B5EF4-FFF2-40B4-BE49-F238E27FC236}">
-                <a16:creationId xmlns="" xmlns:a16="http://schemas.microsoft.com/office/drawing/2014/main" id="{56385A26-1FA9-497C-A473-0D3F94E69B6E}"/>
-              </a:ext>
-            </a:extLst>
-          </p:cNvPr>
-          <p:cNvSpPr>
-            <a:spLocks noGrp="1"/>
-          </p:cNvSpPr>
-          <p:nvPr>
-            <p:ph type="pic" idx="1"/>
-          </p:nvPr>
-        </p:nvSpPr>
-        <p:spPr/>
-      </p:sp>
-      <p:sp>
-        <p:nvSpPr>
-          <p:cNvPr id="6" name="직사각형 5">
-            <a:extLst>
-              <a:ext uri="{FF2B5EF4-FFF2-40B4-BE49-F238E27FC236}">
-                <a16:creationId xmlns="" xmlns:a16="http://schemas.microsoft.com/office/drawing/2014/main" id="{9C212C78-4CD2-494C-BAD9-243B425F8124}"/>
-              </a:ext>
-            </a:extLst>
-          </p:cNvPr>
-          <p:cNvSpPr/>
-          <p:nvPr/>
-        </p:nvSpPr>
-        <p:spPr>
-          <a:xfrm>
-            <a:off x="0" y="3076574"/>
-            <a:ext cx="9144000" cy="2066925"/>
-          </a:xfrm>
-          <a:prstGeom prst="rect">
-            <a:avLst/>
-          </a:prstGeom>
-          <a:gradFill>
-            <a:gsLst>
-              <a:gs pos="0">
-                <a:schemeClr val="tx1">
-                  <a:alpha val="0"/>
-                </a:schemeClr>
-              </a:gs>
-              <a:gs pos="100000">
-                <a:schemeClr val="tx1">
-                  <a:alpha val="80000"/>
-                </a:schemeClr>
-              </a:gs>
-            </a:gsLst>
-            <a:lin ang="5400000" scaled="1"/>
-          </a:gradFill>
-          <a:ln>
-            <a:noFill/>
-          </a:ln>
-        </p:spPr>
-        <p:style>
-          <a:lnRef idx="2">
-            <a:schemeClr val="accent1">
-              <a:shade val="50000"/>
-            </a:schemeClr>
-          </a:lnRef>
-          <a:fillRef idx="1">
-            <a:schemeClr val="accent1"/>
-          </a:fillRef>
-          <a:effectRef idx="0">
-            <a:schemeClr val="accent1"/>
-          </a:effectRef>
-          <a:fontRef idx="minor">
-            <a:schemeClr val="lt1"/>
-          </a:fontRef>
-        </p:style>
-        <p:txBody>
-          <a:bodyPr rtlCol="0" anchor="ctr"/>
-          <a:lstStyle/>
-          <a:p>
-            <a:pPr algn="ctr"/>
-            <a:endParaRPr lang="ko-KR" altLang="en-US"/>
-          </a:p>
-        </p:txBody>
-      </p:sp>
-      <p:sp>
-        <p:nvSpPr>
-          <p:cNvPr id="10" name="Oval 9"/>
-          <p:cNvSpPr/>
-          <p:nvPr/>
-        </p:nvSpPr>
-        <p:spPr>
-          <a:xfrm>
-            <a:off x="395536" y="483518"/>
-            <a:ext cx="2520280" cy="2520280"/>
-          </a:xfrm>
-          <a:prstGeom prst="ellipse">
-            <a:avLst/>
-          </a:prstGeom>
-          <a:solidFill>
-            <a:schemeClr val="accent1">
-              <a:alpha val="90000"/>
-            </a:schemeClr>
-          </a:solidFill>
-          <a:ln>
-            <a:noFill/>
-          </a:ln>
-        </p:spPr>
-        <p:style>
-          <a:lnRef idx="2">
-            <a:schemeClr val="accent1">
-              <a:shade val="50000"/>
-            </a:schemeClr>
-          </a:lnRef>
-          <a:fillRef idx="1">
-            <a:schemeClr val="accent1"/>
-          </a:fillRef>
-          <a:effectRef idx="0">
-            <a:schemeClr val="accent1"/>
-          </a:effectRef>
-          <a:fontRef idx="minor">
-            <a:schemeClr val="lt1"/>
-          </a:fontRef>
-        </p:style>
-        <p:txBody>
-          <a:bodyPr rtlCol="0" anchor="ctr"/>
-          <a:lstStyle/>
-          <a:p>
-            <a:pPr algn="ctr"/>
-            <a:endParaRPr lang="ko-KR" altLang="en-US"/>
-          </a:p>
-        </p:txBody>
-      </p:sp>
-      <p:sp>
-        <p:nvSpPr>
-          <p:cNvPr id="11" name="Text Placeholder 1"/>
-          <p:cNvSpPr txBox="1">
-            <a:spLocks/>
-          </p:cNvSpPr>
-          <p:nvPr/>
-        </p:nvSpPr>
-        <p:spPr>
-          <a:xfrm>
-            <a:off x="431540" y="913960"/>
-            <a:ext cx="2448272" cy="1659397"/>
-          </a:xfrm>
-          <a:prstGeom prst="rect">
-            <a:avLst/>
-          </a:prstGeom>
-        </p:spPr>
-        <p:txBody>
-          <a:bodyPr anchor="ctr"/>
-          <a:lstStyle>
-            <a:lvl1pPr marL="342900" indent="-342900" algn="l" defTabSz="914400" rtl="0" eaLnBrk="1" latinLnBrk="1" hangingPunct="1">
-              <a:spcBef>
-                <a:spcPct val="20000"/>
-              </a:spcBef>
-              <a:buFont typeface="Arial" pitchFamily="34" charset="0"/>
-              <a:buChar char="•"/>
-              <a:defRPr sz="3200" kern="1200">
-                <a:solidFill>
-                  <a:schemeClr val="tx1"/>
-                </a:solidFill>
-                <a:latin typeface="+mn-lt"/>
-                <a:ea typeface="+mn-ea"/>
-                <a:cs typeface="+mn-cs"/>
-              </a:defRPr>
-            </a:lvl1pPr>
-            <a:lvl2pPr marL="742950" indent="-285750" algn="l" defTabSz="914400" rtl="0" eaLnBrk="1" latinLnBrk="1" hangingPunct="1">
-              <a:spcBef>
-                <a:spcPct val="20000"/>
-              </a:spcBef>
-              <a:buFont typeface="Arial" pitchFamily="34" charset="0"/>
-              <a:buChar char="–"/>
-              <a:defRPr sz="2800" kern="1200">
-                <a:solidFill>
-                  <a:schemeClr val="tx1"/>
-                </a:solidFill>
-                <a:latin typeface="+mn-lt"/>
-                <a:ea typeface="+mn-ea"/>
-                <a:cs typeface="+mn-cs"/>
-              </a:defRPr>
-            </a:lvl2pPr>
-            <a:lvl3pPr marL="1143000" indent="-228600" algn="l" defTabSz="914400" rtl="0" eaLnBrk="1" latinLnBrk="1" hangingPunct="1">
-              <a:spcBef>
-                <a:spcPct val="20000"/>
-              </a:spcBef>
-              <a:buFont typeface="Arial" pitchFamily="34" charset="0"/>
-              <a:buChar char="•"/>
-              <a:defRPr sz="2400" kern="1200">
-                <a:solidFill>
-                  <a:schemeClr val="tx1"/>
-                </a:solidFill>
-                <a:latin typeface="+mn-lt"/>
-                <a:ea typeface="+mn-ea"/>
-                <a:cs typeface="+mn-cs"/>
-              </a:defRPr>
-            </a:lvl3pPr>
-            <a:lvl4pPr marL="1600200" indent="-228600" algn="l" defTabSz="914400" rtl="0" eaLnBrk="1" latinLnBrk="1" hangingPunct="1">
-              <a:spcBef>
-                <a:spcPct val="20000"/>
-              </a:spcBef>
-              <a:buFont typeface="Arial" pitchFamily="34" charset="0"/>
-              <a:buChar char="–"/>
-              <a:defRPr sz="2000" kern="1200">
-                <a:solidFill>
-                  <a:schemeClr val="tx1"/>
-                </a:solidFill>
-                <a:latin typeface="+mn-lt"/>
-                <a:ea typeface="+mn-ea"/>
-                <a:cs typeface="+mn-cs"/>
-              </a:defRPr>
-            </a:lvl4pPr>
-            <a:lvl5pPr marL="2057400" indent="-228600" algn="l" defTabSz="914400" rtl="0" eaLnBrk="1" latinLnBrk="1" hangingPunct="1">
-              <a:spcBef>
-                <a:spcPct val="20000"/>
-              </a:spcBef>
-              <a:buFont typeface="Arial" pitchFamily="34" charset="0"/>
-              <a:buChar char="»"/>
-              <a:defRPr sz="2000" kern="1200">
-                <a:solidFill>
-                  <a:schemeClr val="tx1"/>
-                </a:solidFill>
-                <a:latin typeface="+mn-lt"/>
-                <a:ea typeface="+mn-ea"/>
-                <a:cs typeface="+mn-cs"/>
-              </a:defRPr>
-            </a:lvl5pPr>
-            <a:lvl6pPr marL="2514600" indent="-228600" algn="l" defTabSz="914400" rtl="0" eaLnBrk="1" latinLnBrk="1" hangingPunct="1">
-              <a:spcBef>
-                <a:spcPct val="20000"/>
-              </a:spcBef>
-              <a:buFont typeface="Arial" pitchFamily="34" charset="0"/>
-              <a:buChar char="•"/>
-              <a:defRPr sz="2000" kern="1200">
-                <a:solidFill>
-                  <a:schemeClr val="tx1"/>
-                </a:solidFill>
-                <a:latin typeface="+mn-lt"/>
-                <a:ea typeface="+mn-ea"/>
-                <a:cs typeface="+mn-cs"/>
-              </a:defRPr>
-            </a:lvl6pPr>
-            <a:lvl7pPr marL="2971800" indent="-228600" algn="l" defTabSz="914400" rtl="0" eaLnBrk="1" latinLnBrk="1" hangingPunct="1">
-              <a:spcBef>
-                <a:spcPct val="20000"/>
-              </a:spcBef>
-              <a:buFont typeface="Arial" pitchFamily="34" charset="0"/>
-              <a:buChar char="•"/>
-              <a:defRPr sz="2000" kern="1200">
-                <a:solidFill>
-                  <a:schemeClr val="tx1"/>
-                </a:solidFill>
-                <a:latin typeface="+mn-lt"/>
-                <a:ea typeface="+mn-ea"/>
-                <a:cs typeface="+mn-cs"/>
-              </a:defRPr>
-            </a:lvl7pPr>
-            <a:lvl8pPr marL="3429000" indent="-228600" algn="l" defTabSz="914400" rtl="0" eaLnBrk="1" latinLnBrk="1" hangingPunct="1">
-              <a:spcBef>
-                <a:spcPct val="20000"/>
-              </a:spcBef>
-              <a:buFont typeface="Arial" pitchFamily="34" charset="0"/>
-              <a:buChar char="•"/>
-              <a:defRPr sz="2000" kern="1200">
-                <a:solidFill>
-                  <a:schemeClr val="tx1"/>
-                </a:solidFill>
-                <a:latin typeface="+mn-lt"/>
-                <a:ea typeface="+mn-ea"/>
-                <a:cs typeface="+mn-cs"/>
-              </a:defRPr>
-            </a:lvl8pPr>
-            <a:lvl9pPr marL="3886200" indent="-228600" algn="l" defTabSz="914400" rtl="0" eaLnBrk="1" latinLnBrk="1" hangingPunct="1">
-              <a:spcBef>
-                <a:spcPct val="20000"/>
-              </a:spcBef>
-              <a:buFont typeface="Arial" pitchFamily="34" charset="0"/>
-              <a:buChar char="•"/>
-              <a:defRPr sz="2000" kern="1200">
-                <a:solidFill>
-                  <a:schemeClr val="tx1"/>
-                </a:solidFill>
-                <a:latin typeface="+mn-lt"/>
-                <a:ea typeface="+mn-ea"/>
-                <a:cs typeface="+mn-cs"/>
-              </a:defRPr>
-            </a:lvl9pPr>
-          </a:lstStyle>
-          <a:p>
-            <a:pPr marL="0" indent="0" algn="ctr">
-              <a:buNone/>
-            </a:pPr>
-            <a:r>
-              <a:rPr lang="en-US" altLang="ko-KR" sz="2800" b="1" smtClean="0">
-                <a:solidFill>
-                  <a:schemeClr val="bg1"/>
-                </a:solidFill>
-                <a:latin typeface="+mj-lt"/>
-                <a:cs typeface="Arial" pitchFamily="34" charset="0"/>
-              </a:rPr>
-              <a:t>Dòng chảy dữ liệu</a:t>
-            </a:r>
-            <a:endParaRPr lang="ko-KR" altLang="en-US" sz="2800" b="1" dirty="0">
-              <a:solidFill>
-                <a:schemeClr val="bg1"/>
-              </a:solidFill>
-              <a:latin typeface="+mj-lt"/>
-              <a:cs typeface="Arial" pitchFamily="34" charset="0"/>
-            </a:endParaRPr>
-          </a:p>
-        </p:txBody>
-      </p:sp>
-      <p:pic>
-        <p:nvPicPr>
-          <p:cNvPr id="27" name="Picture 26"/>
-          <p:cNvPicPr/>
-          <p:nvPr/>
-        </p:nvPicPr>
-        <p:blipFill>
-          <a:blip r:embed="rId2">
-            <a:extLst>
-              <a:ext uri="{28A0092B-C50C-407E-A947-70E740481C1C}">
-                <a14:useLocalDpi xmlns:a14="http://schemas.microsoft.com/office/drawing/2010/main" val="0"/>
-              </a:ext>
-            </a:extLst>
-          </a:blip>
-          <a:stretch>
-            <a:fillRect/>
-          </a:stretch>
-        </p:blipFill>
-        <p:spPr>
-          <a:xfrm>
-            <a:off x="3413062" y="1227566"/>
-            <a:ext cx="5719189" cy="1743886"/>
-          </a:xfrm>
-          <a:prstGeom prst="rect">
-            <a:avLst/>
-          </a:prstGeom>
-        </p:spPr>
-      </p:pic>
-    </p:spTree>
-    <p:extLst>
-      <p:ext uri="{BB962C8B-B14F-4D97-AF65-F5344CB8AC3E}">
-        <p14:creationId xmlns:p14="http://schemas.microsoft.com/office/powerpoint/2010/main" val="3550617827"/>
-      </p:ext>
-    </p:extLst>
-  </p:cSld>
-  <p:clrMapOvr>
-    <a:masterClrMapping/>
-  </p:clrMapOvr>
-  <mc:AlternateContent xmlns:mc="http://schemas.openxmlformats.org/markup-compatibility/2006" xmlns:p14="http://schemas.microsoft.com/office/powerpoint/2010/main">
-    <mc:Choice Requires="p14">
-      <p:transition spd="slow" p14:dur="2000"/>
-    </mc:Choice>
-    <mc:Fallback xmlns="">
-      <p:transition spd="slow"/>
-    </mc:Fallback>
-  </mc:AlternateContent>
-  <p:timing>
-    <p:tnLst>
-      <p:par>
-        <p:cTn id="1" dur="indefinite" restart="never" nodeType="tmRoot"/>
-      </p:par>
-    </p:tnLst>
-  </p:timing>
-</p:sld>
-</file>
-
-<file path=ppt/slides/slide21.xml><?xml version="1.0" encoding="utf-8"?>
-<p:sld xmlns:a="http://schemas.openxmlformats.org/drawingml/2006/main" xmlns:r="http://schemas.openxmlformats.org/officeDocument/2006/relationships" xmlns:p="http://schemas.openxmlformats.org/presentationml/2006/main" show="0">
-  <p:cSld>
-    <p:spTree>
-      <p:nvGrpSpPr>
-        <p:cNvPr id="1" name=""/>
-        <p:cNvGrpSpPr/>
-        <p:nvPr/>
-      </p:nvGrpSpPr>
-      <p:grpSpPr>
-        <a:xfrm>
-          <a:off x="0" y="0"/>
-          <a:ext cx="0" cy="0"/>
-          <a:chOff x="0" y="0"/>
-          <a:chExt cx="0" cy="0"/>
-        </a:xfrm>
-      </p:grpSpPr>
-      <p:sp>
-        <p:nvSpPr>
-          <p:cNvPr id="3" name="그림 개체 틀 2">
-            <a:extLst>
-              <a:ext uri="{FF2B5EF4-FFF2-40B4-BE49-F238E27FC236}">
-                <a16:creationId xmlns="" xmlns:a16="http://schemas.microsoft.com/office/drawing/2014/main" id="{56385A26-1FA9-497C-A473-0D3F94E69B6E}"/>
-              </a:ext>
-            </a:extLst>
-          </p:cNvPr>
-          <p:cNvSpPr>
-            <a:spLocks noGrp="1"/>
-          </p:cNvSpPr>
-          <p:nvPr>
-            <p:ph type="pic" idx="1"/>
-          </p:nvPr>
-        </p:nvSpPr>
-        <p:spPr/>
-      </p:sp>
-      <p:sp>
-        <p:nvSpPr>
-          <p:cNvPr id="6" name="직사각형 5">
-            <a:extLst>
-              <a:ext uri="{FF2B5EF4-FFF2-40B4-BE49-F238E27FC236}">
-                <a16:creationId xmlns="" xmlns:a16="http://schemas.microsoft.com/office/drawing/2014/main" id="{9C212C78-4CD2-494C-BAD9-243B425F8124}"/>
-              </a:ext>
-            </a:extLst>
-          </p:cNvPr>
-          <p:cNvSpPr/>
-          <p:nvPr/>
-        </p:nvSpPr>
-        <p:spPr>
-          <a:xfrm>
-            <a:off x="0" y="3076574"/>
-            <a:ext cx="9144000" cy="2066925"/>
-          </a:xfrm>
-          <a:prstGeom prst="rect">
-            <a:avLst/>
-          </a:prstGeom>
-          <a:gradFill>
-            <a:gsLst>
-              <a:gs pos="0">
-                <a:schemeClr val="tx1">
-                  <a:alpha val="0"/>
-                </a:schemeClr>
-              </a:gs>
-              <a:gs pos="100000">
-                <a:schemeClr val="tx1">
-                  <a:alpha val="80000"/>
-                </a:schemeClr>
-              </a:gs>
-            </a:gsLst>
-            <a:lin ang="5400000" scaled="1"/>
-          </a:gradFill>
-          <a:ln>
-            <a:noFill/>
-          </a:ln>
-        </p:spPr>
-        <p:style>
-          <a:lnRef idx="2">
-            <a:schemeClr val="accent1">
-              <a:shade val="50000"/>
-            </a:schemeClr>
-          </a:lnRef>
-          <a:fillRef idx="1">
-            <a:schemeClr val="accent1"/>
-          </a:fillRef>
-          <a:effectRef idx="0">
-            <a:schemeClr val="accent1"/>
-          </a:effectRef>
-          <a:fontRef idx="minor">
-            <a:schemeClr val="lt1"/>
-          </a:fontRef>
-        </p:style>
-        <p:txBody>
-          <a:bodyPr rtlCol="0" anchor="ctr"/>
-          <a:lstStyle/>
-          <a:p>
-            <a:pPr algn="ctr"/>
-            <a:endParaRPr lang="ko-KR" altLang="en-US"/>
-          </a:p>
-        </p:txBody>
-      </p:sp>
-      <p:sp>
-        <p:nvSpPr>
-          <p:cNvPr id="10" name="Oval 9"/>
-          <p:cNvSpPr/>
-          <p:nvPr/>
-        </p:nvSpPr>
-        <p:spPr>
-          <a:xfrm>
-            <a:off x="107504" y="195486"/>
-            <a:ext cx="1440160" cy="1440160"/>
-          </a:xfrm>
-          <a:prstGeom prst="ellipse">
-            <a:avLst/>
-          </a:prstGeom>
-          <a:solidFill>
-            <a:schemeClr val="accent1">
-              <a:alpha val="90000"/>
-            </a:schemeClr>
-          </a:solidFill>
-          <a:ln>
-            <a:noFill/>
-          </a:ln>
-        </p:spPr>
-        <p:style>
-          <a:lnRef idx="2">
-            <a:schemeClr val="accent1">
-              <a:shade val="50000"/>
-            </a:schemeClr>
-          </a:lnRef>
-          <a:fillRef idx="1">
-            <a:schemeClr val="accent1"/>
-          </a:fillRef>
-          <a:effectRef idx="0">
-            <a:schemeClr val="accent1"/>
-          </a:effectRef>
-          <a:fontRef idx="minor">
-            <a:schemeClr val="lt1"/>
-          </a:fontRef>
-        </p:style>
-        <p:txBody>
-          <a:bodyPr rtlCol="0" anchor="ctr"/>
-          <a:lstStyle/>
-          <a:p>
-            <a:pPr algn="ctr"/>
-            <a:endParaRPr lang="ko-KR" altLang="en-US"/>
-          </a:p>
-        </p:txBody>
-      </p:sp>
-      <p:sp>
-        <p:nvSpPr>
-          <p:cNvPr id="11" name="Text Placeholder 1"/>
-          <p:cNvSpPr txBox="1">
-            <a:spLocks/>
-          </p:cNvSpPr>
-          <p:nvPr/>
-        </p:nvSpPr>
-        <p:spPr>
-          <a:xfrm>
-            <a:off x="143508" y="478348"/>
-            <a:ext cx="1399012" cy="948227"/>
-          </a:xfrm>
-          <a:prstGeom prst="rect">
-            <a:avLst/>
-          </a:prstGeom>
-        </p:spPr>
-        <p:txBody>
-          <a:bodyPr anchor="ctr"/>
-          <a:lstStyle>
-            <a:lvl1pPr marL="342900" indent="-342900" algn="l" defTabSz="914400" rtl="0" eaLnBrk="1" latinLnBrk="1" hangingPunct="1">
-              <a:spcBef>
-                <a:spcPct val="20000"/>
-              </a:spcBef>
-              <a:buFont typeface="Arial" pitchFamily="34" charset="0"/>
-              <a:buChar char="•"/>
-              <a:defRPr sz="3200" kern="1200">
-                <a:solidFill>
-                  <a:schemeClr val="tx1"/>
-                </a:solidFill>
-                <a:latin typeface="+mn-lt"/>
-                <a:ea typeface="+mn-ea"/>
-                <a:cs typeface="+mn-cs"/>
-              </a:defRPr>
-            </a:lvl1pPr>
-            <a:lvl2pPr marL="742950" indent="-285750" algn="l" defTabSz="914400" rtl="0" eaLnBrk="1" latinLnBrk="1" hangingPunct="1">
-              <a:spcBef>
-                <a:spcPct val="20000"/>
-              </a:spcBef>
-              <a:buFont typeface="Arial" pitchFamily="34" charset="0"/>
-              <a:buChar char="–"/>
-              <a:defRPr sz="2800" kern="1200">
-                <a:solidFill>
-                  <a:schemeClr val="tx1"/>
-                </a:solidFill>
-                <a:latin typeface="+mn-lt"/>
-                <a:ea typeface="+mn-ea"/>
-                <a:cs typeface="+mn-cs"/>
-              </a:defRPr>
-            </a:lvl2pPr>
-            <a:lvl3pPr marL="1143000" indent="-228600" algn="l" defTabSz="914400" rtl="0" eaLnBrk="1" latinLnBrk="1" hangingPunct="1">
-              <a:spcBef>
-                <a:spcPct val="20000"/>
-              </a:spcBef>
-              <a:buFont typeface="Arial" pitchFamily="34" charset="0"/>
-              <a:buChar char="•"/>
-              <a:defRPr sz="2400" kern="1200">
-                <a:solidFill>
-                  <a:schemeClr val="tx1"/>
-                </a:solidFill>
-                <a:latin typeface="+mn-lt"/>
-                <a:ea typeface="+mn-ea"/>
-                <a:cs typeface="+mn-cs"/>
-              </a:defRPr>
-            </a:lvl3pPr>
-            <a:lvl4pPr marL="1600200" indent="-228600" algn="l" defTabSz="914400" rtl="0" eaLnBrk="1" latinLnBrk="1" hangingPunct="1">
-              <a:spcBef>
-                <a:spcPct val="20000"/>
-              </a:spcBef>
-              <a:buFont typeface="Arial" pitchFamily="34" charset="0"/>
-              <a:buChar char="–"/>
-              <a:defRPr sz="2000" kern="1200">
-                <a:solidFill>
-                  <a:schemeClr val="tx1"/>
-                </a:solidFill>
-                <a:latin typeface="+mn-lt"/>
-                <a:ea typeface="+mn-ea"/>
-                <a:cs typeface="+mn-cs"/>
-              </a:defRPr>
-            </a:lvl4pPr>
-            <a:lvl5pPr marL="2057400" indent="-228600" algn="l" defTabSz="914400" rtl="0" eaLnBrk="1" latinLnBrk="1" hangingPunct="1">
-              <a:spcBef>
-                <a:spcPct val="20000"/>
-              </a:spcBef>
-              <a:buFont typeface="Arial" pitchFamily="34" charset="0"/>
-              <a:buChar char="»"/>
-              <a:defRPr sz="2000" kern="1200">
-                <a:solidFill>
-                  <a:schemeClr val="tx1"/>
-                </a:solidFill>
-                <a:latin typeface="+mn-lt"/>
-                <a:ea typeface="+mn-ea"/>
-                <a:cs typeface="+mn-cs"/>
-              </a:defRPr>
-            </a:lvl5pPr>
-            <a:lvl6pPr marL="2514600" indent="-228600" algn="l" defTabSz="914400" rtl="0" eaLnBrk="1" latinLnBrk="1" hangingPunct="1">
-              <a:spcBef>
-                <a:spcPct val="20000"/>
-              </a:spcBef>
-              <a:buFont typeface="Arial" pitchFamily="34" charset="0"/>
-              <a:buChar char="•"/>
-              <a:defRPr sz="2000" kern="1200">
-                <a:solidFill>
-                  <a:schemeClr val="tx1"/>
-                </a:solidFill>
-                <a:latin typeface="+mn-lt"/>
-                <a:ea typeface="+mn-ea"/>
-                <a:cs typeface="+mn-cs"/>
-              </a:defRPr>
-            </a:lvl6pPr>
-            <a:lvl7pPr marL="2971800" indent="-228600" algn="l" defTabSz="914400" rtl="0" eaLnBrk="1" latinLnBrk="1" hangingPunct="1">
-              <a:spcBef>
-                <a:spcPct val="20000"/>
-              </a:spcBef>
-              <a:buFont typeface="Arial" pitchFamily="34" charset="0"/>
-              <a:buChar char="•"/>
-              <a:defRPr sz="2000" kern="1200">
-                <a:solidFill>
-                  <a:schemeClr val="tx1"/>
-                </a:solidFill>
-                <a:latin typeface="+mn-lt"/>
-                <a:ea typeface="+mn-ea"/>
-                <a:cs typeface="+mn-cs"/>
-              </a:defRPr>
-            </a:lvl7pPr>
-            <a:lvl8pPr marL="3429000" indent="-228600" algn="l" defTabSz="914400" rtl="0" eaLnBrk="1" latinLnBrk="1" hangingPunct="1">
-              <a:spcBef>
-                <a:spcPct val="20000"/>
-              </a:spcBef>
-              <a:buFont typeface="Arial" pitchFamily="34" charset="0"/>
-              <a:buChar char="•"/>
-              <a:defRPr sz="2000" kern="1200">
-                <a:solidFill>
-                  <a:schemeClr val="tx1"/>
-                </a:solidFill>
-                <a:latin typeface="+mn-lt"/>
-                <a:ea typeface="+mn-ea"/>
-                <a:cs typeface="+mn-cs"/>
-              </a:defRPr>
-            </a:lvl8pPr>
-            <a:lvl9pPr marL="3886200" indent="-228600" algn="l" defTabSz="914400" rtl="0" eaLnBrk="1" latinLnBrk="1" hangingPunct="1">
-              <a:spcBef>
-                <a:spcPct val="20000"/>
-              </a:spcBef>
-              <a:buFont typeface="Arial" pitchFamily="34" charset="0"/>
-              <a:buChar char="•"/>
-              <a:defRPr sz="2000" kern="1200">
-                <a:solidFill>
-                  <a:schemeClr val="tx1"/>
-                </a:solidFill>
-                <a:latin typeface="+mn-lt"/>
-                <a:ea typeface="+mn-ea"/>
-                <a:cs typeface="+mn-cs"/>
-              </a:defRPr>
-            </a:lvl9pPr>
-          </a:lstStyle>
-          <a:p>
-            <a:pPr marL="0" indent="0" algn="ctr">
-              <a:buNone/>
-            </a:pPr>
-            <a:r>
-              <a:rPr lang="en-US" altLang="ko-KR" sz="2000" b="1" smtClean="0">
-                <a:solidFill>
-                  <a:schemeClr val="bg1"/>
-                </a:solidFill>
-                <a:latin typeface="+mj-lt"/>
-                <a:cs typeface="Arial" pitchFamily="34" charset="0"/>
-              </a:rPr>
-              <a:t>Thư viện</a:t>
-            </a:r>
-            <a:endParaRPr lang="ko-KR" altLang="en-US" sz="2000" b="1" dirty="0">
-              <a:solidFill>
-                <a:schemeClr val="bg1"/>
-              </a:solidFill>
-              <a:latin typeface="+mj-lt"/>
-              <a:cs typeface="Arial" pitchFamily="34" charset="0"/>
-            </a:endParaRPr>
-          </a:p>
-        </p:txBody>
-      </p:sp>
-      <p:pic>
-        <p:nvPicPr>
-          <p:cNvPr id="12" name="Picture 11"/>
-          <p:cNvPicPr/>
-          <p:nvPr/>
-        </p:nvPicPr>
-        <p:blipFill>
-          <a:blip r:embed="rId2">
-            <a:extLst>
-              <a:ext uri="{28A0092B-C50C-407E-A947-70E740481C1C}">
-                <a14:useLocalDpi xmlns:a14="http://schemas.microsoft.com/office/drawing/2010/main" val="0"/>
-              </a:ext>
-            </a:extLst>
-          </a:blip>
-          <a:stretch>
-            <a:fillRect/>
-          </a:stretch>
-        </p:blipFill>
-        <p:spPr>
-          <a:xfrm>
-            <a:off x="4283968" y="257082"/>
-            <a:ext cx="4572342" cy="4629335"/>
-          </a:xfrm>
-          <a:prstGeom prst="rect">
-            <a:avLst/>
-          </a:prstGeom>
-        </p:spPr>
-      </p:pic>
-      <p:pic>
-        <p:nvPicPr>
-          <p:cNvPr id="9" name="Picture 8"/>
-          <p:cNvPicPr/>
-          <p:nvPr/>
-        </p:nvPicPr>
-        <p:blipFill>
-          <a:blip r:embed="rId3">
-            <a:extLst>
-              <a:ext uri="{28A0092B-C50C-407E-A947-70E740481C1C}">
-                <a14:useLocalDpi xmlns:a14="http://schemas.microsoft.com/office/drawing/2010/main" val="0"/>
-              </a:ext>
-            </a:extLst>
-          </a:blip>
-          <a:stretch>
-            <a:fillRect/>
-          </a:stretch>
-        </p:blipFill>
-        <p:spPr>
-          <a:xfrm>
-            <a:off x="189419" y="1831132"/>
-            <a:ext cx="4068529" cy="1887388"/>
-          </a:xfrm>
-          <a:prstGeom prst="rect">
-            <a:avLst/>
-          </a:prstGeom>
-        </p:spPr>
-      </p:pic>
-    </p:spTree>
-    <p:extLst>
-      <p:ext uri="{BB962C8B-B14F-4D97-AF65-F5344CB8AC3E}">
-        <p14:creationId xmlns:p14="http://schemas.microsoft.com/office/powerpoint/2010/main" val="59757571"/>
-      </p:ext>
-    </p:extLst>
-  </p:cSld>
-  <p:clrMapOvr>
-    <a:masterClrMapping/>
-  </p:clrMapOvr>
-  <mc:AlternateContent xmlns:mc="http://schemas.openxmlformats.org/markup-compatibility/2006" xmlns:p14="http://schemas.microsoft.com/office/powerpoint/2010/main">
-    <mc:Choice Requires="p14">
-      <p:transition spd="slow" p14:dur="2000"/>
-    </mc:Choice>
-    <mc:Fallback xmlns="">
-      <p:transition spd="slow"/>
-    </mc:Fallback>
-  </mc:AlternateContent>
-  <p:timing>
-    <p:tnLst>
-      <p:par>
-        <p:cTn id="1" dur="indefinite" restart="never" nodeType="tmRoot"/>
-      </p:par>
-    </p:tnLst>
-  </p:timing>
-</p:sld>
-</file>
-
-<file path=ppt/slides/slide22.xml><?xml version="1.0" encoding="utf-8"?>
-<p:sld xmlns:a="http://schemas.openxmlformats.org/drawingml/2006/main" xmlns:r="http://schemas.openxmlformats.org/officeDocument/2006/relationships" xmlns:p="http://schemas.openxmlformats.org/presentationml/2006/main">
-  <p:cSld>
-    <p:spTree>
-      <p:nvGrpSpPr>
-        <p:cNvPr id="1" name=""/>
-        <p:cNvGrpSpPr/>
-        <p:nvPr/>
-      </p:nvGrpSpPr>
-      <p:grpSpPr>
-        <a:xfrm>
-          <a:off x="0" y="0"/>
-          <a:ext cx="0" cy="0"/>
-          <a:chOff x="0" y="0"/>
-          <a:chExt cx="0" cy="0"/>
-        </a:xfrm>
-      </p:grpSpPr>
-      <p:sp>
-        <p:nvSpPr>
-          <p:cNvPr id="2" name="Text Placeholder 1"/>
-          <p:cNvSpPr>
-            <a:spLocks noGrp="1"/>
-          </p:cNvSpPr>
-          <p:nvPr>
-            <p:ph type="body" sz="quarter" idx="10"/>
-          </p:nvPr>
-        </p:nvSpPr>
-        <p:spPr/>
-        <p:txBody>
-          <a:bodyPr/>
-          <a:lstStyle/>
-          <a:p>
-            <a:r>
-              <a:rPr lang="en-US" altLang="ko-KR" sz="2400" smtClean="0"/>
-              <a:t>Xây dựng website</a:t>
-            </a:r>
-            <a:endParaRPr lang="ko-KR" altLang="en-US" sz="2400" dirty="0"/>
-          </a:p>
-        </p:txBody>
-      </p:sp>
-      <p:sp>
-        <p:nvSpPr>
-          <p:cNvPr id="3" name="Text Placeholder 2"/>
-          <p:cNvSpPr>
-            <a:spLocks noGrp="1"/>
-          </p:cNvSpPr>
-          <p:nvPr>
-            <p:ph type="body" sz="quarter" idx="11"/>
-          </p:nvPr>
-        </p:nvSpPr>
-        <p:spPr/>
-        <p:txBody>
-          <a:bodyPr/>
-          <a:lstStyle/>
-          <a:p>
-            <a:pPr lvl="0"/>
-            <a:r>
-              <a:rPr lang="en-US" altLang="ko-KR" smtClean="0"/>
-              <a:t>Website building</a:t>
-            </a:r>
-            <a:endParaRPr lang="en-US" altLang="ko-KR" dirty="0"/>
-          </a:p>
-        </p:txBody>
-      </p:sp>
-      <p:sp>
-        <p:nvSpPr>
-          <p:cNvPr id="4" name="Freeform 3"/>
-          <p:cNvSpPr/>
-          <p:nvPr/>
-        </p:nvSpPr>
-        <p:spPr>
-          <a:xfrm>
-            <a:off x="5025036" y="2152650"/>
-            <a:ext cx="343094" cy="840698"/>
-          </a:xfrm>
-          <a:custGeom>
-            <a:avLst/>
-            <a:gdLst/>
-            <a:ahLst/>
-            <a:cxnLst/>
-            <a:rect l="l" t="t" r="r" b="b"/>
-            <a:pathLst>
-              <a:path w="1060423" h="2598393">
-                <a:moveTo>
-                  <a:pt x="511607" y="1989888"/>
-                </a:moveTo>
-                <a:cubicBezTo>
-                  <a:pt x="421916" y="2038892"/>
-                  <a:pt x="392123" y="2248491"/>
-                  <a:pt x="577615" y="2379095"/>
-                </a:cubicBezTo>
-                <a:cubicBezTo>
-                  <a:pt x="531205" y="2257454"/>
-                  <a:pt x="562054" y="2197447"/>
-                  <a:pt x="592034" y="2136572"/>
-                </a:cubicBezTo>
-                <a:cubicBezTo>
-                  <a:pt x="592534" y="2167519"/>
-                  <a:pt x="560915" y="2234057"/>
-                  <a:pt x="638675" y="2272816"/>
-                </a:cubicBezTo>
-                <a:cubicBezTo>
-                  <a:pt x="602283" y="2156226"/>
-                  <a:pt x="756001" y="2119500"/>
-                  <a:pt x="594605" y="1990756"/>
-                </a:cubicBezTo>
-                <a:cubicBezTo>
-                  <a:pt x="828052" y="2024484"/>
-                  <a:pt x="759407" y="2143283"/>
-                  <a:pt x="814896" y="2262952"/>
-                </a:cubicBezTo>
-                <a:cubicBezTo>
-                  <a:pt x="774295" y="2270013"/>
-                  <a:pt x="715464" y="2161619"/>
-                  <a:pt x="728685" y="2212952"/>
-                </a:cubicBezTo>
-                <a:cubicBezTo>
-                  <a:pt x="798068" y="2415798"/>
-                  <a:pt x="590532" y="2421590"/>
-                  <a:pt x="656442" y="2598393"/>
-                </a:cubicBezTo>
-                <a:cubicBezTo>
-                  <a:pt x="451592" y="2586815"/>
-                  <a:pt x="511509" y="2396411"/>
-                  <a:pt x="415171" y="2350110"/>
-                </a:cubicBezTo>
-                <a:cubicBezTo>
-                  <a:pt x="389023" y="2345435"/>
-                  <a:pt x="357666" y="2366802"/>
-                  <a:pt x="415723" y="2461957"/>
-                </a:cubicBezTo>
-                <a:cubicBezTo>
-                  <a:pt x="77590" y="2209980"/>
-                  <a:pt x="314998" y="2004011"/>
-                  <a:pt x="511607" y="1989888"/>
-                </a:cubicBezTo>
-                <a:close/>
-                <a:moveTo>
-                  <a:pt x="344786" y="1884983"/>
-                </a:moveTo>
-                <a:lnTo>
-                  <a:pt x="722598" y="1884983"/>
-                </a:lnTo>
-                <a:cubicBezTo>
-                  <a:pt x="716460" y="1906965"/>
-                  <a:pt x="711917" y="1928321"/>
-                  <a:pt x="707988" y="1948728"/>
-                </a:cubicBezTo>
-                <a:lnTo>
-                  <a:pt x="357819" y="1948059"/>
-                </a:lnTo>
-                <a:close/>
-                <a:moveTo>
-                  <a:pt x="530212" y="651224"/>
-                </a:moveTo>
-                <a:cubicBezTo>
-                  <a:pt x="585486" y="651224"/>
-                  <a:pt x="630294" y="696033"/>
-                  <a:pt x="630294" y="751307"/>
-                </a:cubicBezTo>
-                <a:cubicBezTo>
-                  <a:pt x="630294" y="806581"/>
-                  <a:pt x="585486" y="851389"/>
-                  <a:pt x="530212" y="851389"/>
-                </a:cubicBezTo>
-                <a:cubicBezTo>
-                  <a:pt x="474938" y="851389"/>
-                  <a:pt x="430129" y="806581"/>
-                  <a:pt x="430129" y="751307"/>
-                </a:cubicBezTo>
-                <a:cubicBezTo>
-                  <a:pt x="430129" y="696033"/>
-                  <a:pt x="474938" y="651224"/>
-                  <a:pt x="530212" y="651224"/>
-                </a:cubicBezTo>
-                <a:close/>
-                <a:moveTo>
-                  <a:pt x="530212" y="551141"/>
-                </a:moveTo>
-                <a:cubicBezTo>
-                  <a:pt x="419664" y="551141"/>
-                  <a:pt x="330046" y="640759"/>
-                  <a:pt x="330046" y="751307"/>
-                </a:cubicBezTo>
-                <a:cubicBezTo>
-                  <a:pt x="330046" y="861855"/>
-                  <a:pt x="419664" y="951472"/>
-                  <a:pt x="530212" y="951472"/>
-                </a:cubicBezTo>
-                <a:cubicBezTo>
-                  <a:pt x="640760" y="951472"/>
-                  <a:pt x="730377" y="861855"/>
-                  <a:pt x="730377" y="751307"/>
-                </a:cubicBezTo>
-                <a:cubicBezTo>
-                  <a:pt x="730377" y="640759"/>
-                  <a:pt x="640760" y="551141"/>
-                  <a:pt x="530212" y="551141"/>
-                </a:cubicBezTo>
-                <a:close/>
-                <a:moveTo>
-                  <a:pt x="286245" y="353827"/>
-                </a:moveTo>
-                <a:cubicBezTo>
-                  <a:pt x="438132" y="439406"/>
-                  <a:pt x="623290" y="440561"/>
-                  <a:pt x="776100" y="356932"/>
-                </a:cubicBezTo>
-                <a:cubicBezTo>
-                  <a:pt x="941305" y="720175"/>
-                  <a:pt x="898096" y="1115325"/>
-                  <a:pt x="825241" y="1447764"/>
-                </a:cubicBezTo>
-                <a:lnTo>
-                  <a:pt x="1060423" y="1673413"/>
-                </a:lnTo>
-                <a:lnTo>
-                  <a:pt x="1021935" y="1978110"/>
-                </a:lnTo>
-                <a:lnTo>
-                  <a:pt x="745125" y="1786699"/>
-                </a:lnTo>
-                <a:lnTo>
-                  <a:pt x="734250" y="1834148"/>
-                </a:lnTo>
-                <a:lnTo>
-                  <a:pt x="332991" y="1834148"/>
-                </a:lnTo>
-                <a:cubicBezTo>
-                  <a:pt x="330005" y="1820736"/>
-                  <a:pt x="326662" y="1807037"/>
-                  <a:pt x="323192" y="1793020"/>
-                </a:cubicBezTo>
-                <a:lnTo>
-                  <a:pt x="38489" y="1989888"/>
-                </a:lnTo>
-                <a:lnTo>
-                  <a:pt x="0" y="1685191"/>
-                </a:lnTo>
-                <a:lnTo>
-                  <a:pt x="237343" y="1457469"/>
-                </a:lnTo>
-                <a:lnTo>
-                  <a:pt x="238009" y="1459571"/>
-                </a:lnTo>
-                <a:lnTo>
-                  <a:pt x="242012" y="1446515"/>
-                </a:lnTo>
-                <a:cubicBezTo>
-                  <a:pt x="171205" y="1115067"/>
-                  <a:pt x="127758" y="714059"/>
-                  <a:pt x="286245" y="353827"/>
-                </a:cubicBezTo>
-                <a:close/>
-                <a:moveTo>
-                  <a:pt x="527942" y="0"/>
-                </a:moveTo>
-                <a:cubicBezTo>
-                  <a:pt x="622760" y="95693"/>
-                  <a:pt x="695048" y="196745"/>
-                  <a:pt x="748164" y="301374"/>
-                </a:cubicBezTo>
-                <a:cubicBezTo>
-                  <a:pt x="612692" y="376844"/>
-                  <a:pt x="447588" y="375495"/>
-                  <a:pt x="312997" y="298024"/>
-                </a:cubicBezTo>
-                <a:cubicBezTo>
-                  <a:pt x="364591" y="193505"/>
-                  <a:pt x="435080" y="93397"/>
-                  <a:pt x="527942" y="0"/>
-                </a:cubicBezTo>
-                <a:close/>
-              </a:path>
-            </a:pathLst>
-          </a:custGeom>
-          <a:solidFill>
-            <a:schemeClr val="bg1"/>
-          </a:solidFill>
-          <a:ln>
-            <a:noFill/>
-          </a:ln>
-        </p:spPr>
-        <p:style>
-          <a:lnRef idx="2">
-            <a:schemeClr val="accent1">
-              <a:shade val="50000"/>
-            </a:schemeClr>
-          </a:lnRef>
-          <a:fillRef idx="1">
-            <a:schemeClr val="accent1"/>
-          </a:fillRef>
-          <a:effectRef idx="0">
-            <a:schemeClr val="accent1"/>
-          </a:effectRef>
-          <a:fontRef idx="minor">
-            <a:schemeClr val="lt1"/>
-          </a:fontRef>
-        </p:style>
-        <p:txBody>
-          <a:bodyPr rtlCol="0" anchor="ctr"/>
-          <a:lstStyle/>
-          <a:p>
-            <a:pPr algn="ctr"/>
-            <a:endParaRPr lang="ko-KR" altLang="en-US"/>
-          </a:p>
-        </p:txBody>
-      </p:sp>
-    </p:spTree>
-    <p:extLst>
-      <p:ext uri="{BB962C8B-B14F-4D97-AF65-F5344CB8AC3E}">
-        <p14:creationId xmlns:p14="http://schemas.microsoft.com/office/powerpoint/2010/main" val="2895627453"/>
-      </p:ext>
-    </p:extLst>
-  </p:cSld>
-  <p:clrMapOvr>
-    <a:masterClrMapping/>
-  </p:clrMapOvr>
-  <p:timing>
-    <p:tnLst>
-      <p:par>
-        <p:cTn id="1" dur="indefinite" restart="never" nodeType="tmRoot"/>
-      </p:par>
-    </p:tnLst>
-  </p:timing>
-</p:sld>
-</file>
-
-<file path=ppt/slides/slide23.xml><?xml version="1.0" encoding="utf-8"?>
 <p:sld xmlns:a="http://schemas.openxmlformats.org/drawingml/2006/main" xmlns:r="http://schemas.openxmlformats.org/officeDocument/2006/relationships" xmlns:p="http://schemas.openxmlformats.org/presentationml/2006/main">
   <p:cSld>
     <p:spTree>
@@ -22786,7 +22047,7 @@
           <a:p>
             <a:pPr lvl="0"/>
             <a:r>
-              <a:rPr lang="en-US" altLang="ko-KR" smtClean="0"/>
+              <a:rPr lang="en-US" altLang="ko-KR" dirty="0" smtClean="0"/>
               <a:t>Survey and problem statement</a:t>
             </a:r>
             <a:endParaRPr lang="en-US" altLang="ko-KR" dirty="0"/>
@@ -23361,7 +22622,7 @@
           <a:lstStyle/>
           <a:p>
             <a:r>
-              <a:rPr lang="en-US" altLang="ko-KR" sz="1200" smtClean="0">
+              <a:rPr lang="en-US" altLang="ko-KR" sz="1200" dirty="0" smtClean="0">
                 <a:solidFill>
                   <a:schemeClr val="tx1">
                     <a:lumMod val="75000"/>
@@ -23548,7 +22809,7 @@
               <a:buNone/>
             </a:pPr>
             <a:r>
-              <a:rPr lang="en-US" altLang="ko-KR" sz="2000" b="1" smtClean="0">
+              <a:rPr lang="en-US" altLang="ko-KR" sz="2000" b="1" dirty="0" smtClean="0">
                 <a:solidFill>
                   <a:schemeClr val="accent3"/>
                 </a:solidFill>
@@ -23557,7 +22818,7 @@
               <a:t>Website</a:t>
             </a:r>
             <a:r>
-              <a:rPr lang="en-US" altLang="ko-KR" sz="2000" b="1">
+              <a:rPr lang="en-US" altLang="ko-KR" sz="2000" b="1" dirty="0">
                 <a:solidFill>
                   <a:schemeClr val="accent3"/>
                 </a:solidFill>
@@ -23566,7 +22827,7 @@
               <a:t> </a:t>
             </a:r>
             <a:r>
-              <a:rPr lang="en-US" altLang="ko-KR" sz="2000" b="1" smtClean="0">
+              <a:rPr lang="en-US" altLang="ko-KR" sz="2000" b="1" dirty="0" smtClean="0">
                 <a:solidFill>
                   <a:schemeClr val="tx1">
                     <a:lumMod val="75000"/>
@@ -23893,8 +23154,8 @@
         </p:nvSpPr>
         <p:spPr>
           <a:xfrm>
-            <a:off x="460148" y="3547609"/>
-            <a:ext cx="2391056" cy="707886"/>
+            <a:off x="131393" y="3511520"/>
+            <a:ext cx="3048566" cy="400110"/>
           </a:xfrm>
           <a:prstGeom prst="rect">
             <a:avLst/>
@@ -23909,25 +23170,22 @@
           <a:p>
             <a:pPr algn="ctr"/>
             <a:r>
-              <a:rPr lang="en-US" altLang="ko-KR" sz="2000" b="1" smtClean="0">
+              <a:rPr lang="en-US" altLang="ko-KR" sz="2000" b="1" dirty="0" smtClean="0">
+                <a:solidFill>
+                  <a:srgbClr val="EB494B"/>
+                </a:solidFill>
+                <a:cs typeface="Arial" pitchFamily="34" charset="0"/>
+              </a:rPr>
+              <a:t>Hạn chế </a:t>
+            </a:r>
+            <a:r>
+              <a:rPr lang="en-US" altLang="ko-KR" sz="2000" b="1" dirty="0" smtClean="0">
                 <a:solidFill>
                   <a:srgbClr val="383838"/>
                 </a:solidFill>
                 <a:cs typeface="Arial" pitchFamily="34" charset="0"/>
               </a:rPr>
-              <a:t>Nhược điểm </a:t>
-            </a:r>
-          </a:p>
-          <a:p>
-            <a:pPr algn="ctr"/>
-            <a:r>
-              <a:rPr lang="en-US" altLang="ko-KR" sz="2000" b="1" smtClean="0">
-                <a:solidFill>
-                  <a:schemeClr val="accent1"/>
-                </a:solidFill>
-                <a:cs typeface="Arial" pitchFamily="34" charset="0"/>
-              </a:rPr>
-              <a:t>của hệ thống cũ</a:t>
+              <a:t>còn tồn đọng</a:t>
             </a:r>
             <a:endParaRPr lang="ko-KR" altLang="en-US" sz="2000" b="1" dirty="0">
               <a:solidFill>
@@ -27380,7 +26638,7 @@
           <p:cNvPr id="38" name="Oval 21">
             <a:extLst>
               <a:ext uri="{FF2B5EF4-FFF2-40B4-BE49-F238E27FC236}">
-                <a16:creationId xmlns="" xmlns:a16="http://schemas.microsoft.com/office/drawing/2014/main" id="{DB085D37-5B08-4664-B488-B0A90850EC9F}"/>
+                <a16:creationId xmlns:a16="http://schemas.microsoft.com/office/drawing/2014/main" id="{DB085D37-5B08-4664-B488-B0A90850EC9F}"/>
               </a:ext>
             </a:extLst>
           </p:cNvPr>
@@ -28833,7 +28091,7 @@
       </p:sp>
       <p:pic>
         <p:nvPicPr>
-          <p:cNvPr id="25" name="Picture 24"/>
+          <p:cNvPr id="22" name="Picture 21"/>
           <p:cNvPicPr/>
           <p:nvPr/>
         </p:nvPicPr>
@@ -28849,10 +28107,10 @@
             <a:fillRect/>
           </a:stretch>
         </p:blipFill>
-        <p:spPr>
+        <p:spPr bwMode="auto">
           <a:xfrm>
-            <a:off x="16789" y="305432"/>
-            <a:ext cx="5902325" cy="4174490"/>
+            <a:off x="20625" y="1180914"/>
+            <a:ext cx="5902960" cy="3115945"/>
           </a:xfrm>
           <a:prstGeom prst="rect">
             <a:avLst/>
@@ -28896,6 +28154,34 @@
           <a:chExt cx="0" cy="0"/>
         </a:xfrm>
       </p:grpSpPr>
+      <p:pic>
+        <p:nvPicPr>
+          <p:cNvPr id="16" name="Picture 15"/>
+          <p:cNvPicPr/>
+          <p:nvPr/>
+        </p:nvPicPr>
+        <p:blipFill>
+          <a:blip r:embed="rId2">
+            <a:extLst>
+              <a:ext uri="{28A0092B-C50C-407E-A947-70E740481C1C}">
+                <a14:useLocalDpi xmlns:a14="http://schemas.microsoft.com/office/drawing/2010/main" val="0"/>
+              </a:ext>
+            </a:extLst>
+          </a:blip>
+          <a:stretch>
+            <a:fillRect/>
+          </a:stretch>
+        </p:blipFill>
+        <p:spPr bwMode="auto">
+          <a:xfrm>
+            <a:off x="107504" y="1715366"/>
+            <a:ext cx="5910580" cy="2652395"/>
+          </a:xfrm>
+          <a:prstGeom prst="rect">
+            <a:avLst/>
+          </a:prstGeom>
+        </p:spPr>
+      </p:pic>
       <p:sp>
         <p:nvSpPr>
           <p:cNvPr id="6" name="Rectangle 5"/>
@@ -29535,7 +28821,7 @@
               <a:buNone/>
             </a:pPr>
             <a:r>
-              <a:rPr lang="en-US" sz="2000" b="1" smtClean="0">
+              <a:rPr lang="en-US" sz="2000" b="1" dirty="0" smtClean="0">
                 <a:solidFill>
                   <a:schemeClr val="bg1"/>
                 </a:solidFill>
@@ -29545,7 +28831,7 @@
               <a:t>Phân rã </a:t>
             </a:r>
             <a:r>
-              <a:rPr lang="en-US" sz="2000" b="1" smtClean="0">
+              <a:rPr lang="en-US" sz="2000" b="1" dirty="0" smtClean="0">
                 <a:solidFill>
                   <a:srgbClr val="EB494B"/>
                 </a:solidFill>
@@ -29555,7 +28841,7 @@
               <a:t>UC</a:t>
             </a:r>
             <a:r>
-              <a:rPr lang="en-US" sz="2000" b="1" smtClean="0">
+              <a:rPr lang="en-US" sz="2000" b="1" dirty="0" smtClean="0">
                 <a:solidFill>
                   <a:schemeClr val="bg1"/>
                 </a:solidFill>
@@ -29573,7 +28859,7 @@
               <a:buNone/>
             </a:pPr>
             <a:r>
-              <a:rPr lang="en-US" sz="2000" b="1" smtClean="0">
+              <a:rPr lang="en-US" sz="2000" b="1" dirty="0" smtClean="0">
                 <a:solidFill>
                   <a:schemeClr val="bg1"/>
                 </a:solidFill>
@@ -29583,7 +28869,7 @@
               <a:t>“</a:t>
             </a:r>
             <a:r>
-              <a:rPr lang="en-US" sz="2000" b="1" smtClean="0">
+              <a:rPr lang="en-US" sz="2000" b="1" dirty="0" smtClean="0">
                 <a:solidFill>
                   <a:srgbClr val="EB494B"/>
                 </a:solidFill>
@@ -29593,7 +28879,7 @@
               <a:t>Khách hàng</a:t>
             </a:r>
             <a:r>
-              <a:rPr lang="en-US" sz="2000" b="1" smtClean="0">
+              <a:rPr lang="en-US" sz="2000" b="1" dirty="0" smtClean="0">
                 <a:solidFill>
                   <a:schemeClr val="bg1"/>
                 </a:solidFill>
@@ -29663,34 +28949,6 @@
           </a:p>
         </p:txBody>
       </p:sp>
-      <p:pic>
-        <p:nvPicPr>
-          <p:cNvPr id="14" name="Picture 13"/>
-          <p:cNvPicPr/>
-          <p:nvPr/>
-        </p:nvPicPr>
-        <p:blipFill>
-          <a:blip r:embed="rId2">
-            <a:extLst>
-              <a:ext uri="{28A0092B-C50C-407E-A947-70E740481C1C}">
-                <a14:useLocalDpi xmlns:a14="http://schemas.microsoft.com/office/drawing/2010/main" val="0"/>
-              </a:ext>
-            </a:extLst>
-          </a:blip>
-          <a:stretch>
-            <a:fillRect/>
-          </a:stretch>
-        </p:blipFill>
-        <p:spPr>
-          <a:xfrm>
-            <a:off x="23405" y="1833395"/>
-            <a:ext cx="5910580" cy="2652395"/>
-          </a:xfrm>
-          <a:prstGeom prst="rect">
-            <a:avLst/>
-          </a:prstGeom>
-        </p:spPr>
-      </p:pic>
     </p:spTree>
     <p:extLst>
       <p:ext uri="{BB962C8B-B14F-4D97-AF65-F5344CB8AC3E}">
